--- a/sasa_project.pptx
+++ b/sasa_project.pptx
@@ -9,6 +9,9 @@
     <p:sldId id="259" r:id="rId3"/>
     <p:sldId id="257" r:id="rId4"/>
     <p:sldId id="258" r:id="rId5"/>
+    <p:sldId id="260" r:id="rId6"/>
+    <p:sldId id="262" r:id="rId7"/>
+    <p:sldId id="261" r:id="rId8"/>
   </p:sldIdLst>
   <p:sldSz cx="12192000" cy="6858000"/>
   <p:notesSz cx="6858000" cy="9144000"/>
@@ -246,7 +249,7 @@
           <a:p>
             <a:fld id="{442C0A88-2025-4266-8B5D-FCCA3F1E2E1C}" type="datetimeFigureOut">
               <a:rPr lang="ko-KR" altLang="en-US" smtClean="0"/>
-              <a:t>2020-01-14</a:t>
+              <a:t>2020-01-15</a:t>
             </a:fld>
             <a:endParaRPr lang="ko-KR" altLang="en-US"/>
           </a:p>
@@ -416,7 +419,7 @@
           <a:p>
             <a:fld id="{442C0A88-2025-4266-8B5D-FCCA3F1E2E1C}" type="datetimeFigureOut">
               <a:rPr lang="ko-KR" altLang="en-US" smtClean="0"/>
-              <a:t>2020-01-14</a:t>
+              <a:t>2020-01-15</a:t>
             </a:fld>
             <a:endParaRPr lang="ko-KR" altLang="en-US"/>
           </a:p>
@@ -596,7 +599,7 @@
           <a:p>
             <a:fld id="{442C0A88-2025-4266-8B5D-FCCA3F1E2E1C}" type="datetimeFigureOut">
               <a:rPr lang="ko-KR" altLang="en-US" smtClean="0"/>
-              <a:t>2020-01-14</a:t>
+              <a:t>2020-01-15</a:t>
             </a:fld>
             <a:endParaRPr lang="ko-KR" altLang="en-US"/>
           </a:p>
@@ -766,7 +769,7 @@
           <a:p>
             <a:fld id="{442C0A88-2025-4266-8B5D-FCCA3F1E2E1C}" type="datetimeFigureOut">
               <a:rPr lang="ko-KR" altLang="en-US" smtClean="0"/>
-              <a:t>2020-01-14</a:t>
+              <a:t>2020-01-15</a:t>
             </a:fld>
             <a:endParaRPr lang="ko-KR" altLang="en-US"/>
           </a:p>
@@ -1012,7 +1015,7 @@
           <a:p>
             <a:fld id="{442C0A88-2025-4266-8B5D-FCCA3F1E2E1C}" type="datetimeFigureOut">
               <a:rPr lang="ko-KR" altLang="en-US" smtClean="0"/>
-              <a:t>2020-01-14</a:t>
+              <a:t>2020-01-15</a:t>
             </a:fld>
             <a:endParaRPr lang="ko-KR" altLang="en-US"/>
           </a:p>
@@ -1244,7 +1247,7 @@
           <a:p>
             <a:fld id="{442C0A88-2025-4266-8B5D-FCCA3F1E2E1C}" type="datetimeFigureOut">
               <a:rPr lang="ko-KR" altLang="en-US" smtClean="0"/>
-              <a:t>2020-01-14</a:t>
+              <a:t>2020-01-15</a:t>
             </a:fld>
             <a:endParaRPr lang="ko-KR" altLang="en-US"/>
           </a:p>
@@ -1611,7 +1614,7 @@
           <a:p>
             <a:fld id="{442C0A88-2025-4266-8B5D-FCCA3F1E2E1C}" type="datetimeFigureOut">
               <a:rPr lang="ko-KR" altLang="en-US" smtClean="0"/>
-              <a:t>2020-01-14</a:t>
+              <a:t>2020-01-15</a:t>
             </a:fld>
             <a:endParaRPr lang="ko-KR" altLang="en-US"/>
           </a:p>
@@ -1729,7 +1732,7 @@
           <a:p>
             <a:fld id="{442C0A88-2025-4266-8B5D-FCCA3F1E2E1C}" type="datetimeFigureOut">
               <a:rPr lang="ko-KR" altLang="en-US" smtClean="0"/>
-              <a:t>2020-01-14</a:t>
+              <a:t>2020-01-15</a:t>
             </a:fld>
             <a:endParaRPr lang="ko-KR" altLang="en-US"/>
           </a:p>
@@ -1824,7 +1827,7 @@
           <a:p>
             <a:fld id="{442C0A88-2025-4266-8B5D-FCCA3F1E2E1C}" type="datetimeFigureOut">
               <a:rPr lang="ko-KR" altLang="en-US" smtClean="0"/>
-              <a:t>2020-01-14</a:t>
+              <a:t>2020-01-15</a:t>
             </a:fld>
             <a:endParaRPr lang="ko-KR" altLang="en-US"/>
           </a:p>
@@ -2101,7 +2104,7 @@
           <a:p>
             <a:fld id="{442C0A88-2025-4266-8B5D-FCCA3F1E2E1C}" type="datetimeFigureOut">
               <a:rPr lang="ko-KR" altLang="en-US" smtClean="0"/>
-              <a:t>2020-01-14</a:t>
+              <a:t>2020-01-15</a:t>
             </a:fld>
             <a:endParaRPr lang="ko-KR" altLang="en-US"/>
           </a:p>
@@ -2354,7 +2357,7 @@
           <a:p>
             <a:fld id="{442C0A88-2025-4266-8B5D-FCCA3F1E2E1C}" type="datetimeFigureOut">
               <a:rPr lang="ko-KR" altLang="en-US" smtClean="0"/>
-              <a:t>2020-01-14</a:t>
+              <a:t>2020-01-15</a:t>
             </a:fld>
             <a:endParaRPr lang="ko-KR" altLang="en-US"/>
           </a:p>
@@ -2567,7 +2570,7 @@
           <a:p>
             <a:fld id="{442C0A88-2025-4266-8B5D-FCCA3F1E2E1C}" type="datetimeFigureOut">
               <a:rPr lang="ko-KR" altLang="en-US" smtClean="0"/>
-              <a:t>2020-01-14</a:t>
+              <a:t>2020-01-15</a:t>
             </a:fld>
             <a:endParaRPr lang="ko-KR" altLang="en-US"/>
           </a:p>
@@ -7089,6 +7092,1327 @@
 </p:sld>
 </file>
 
+<file path=ppt/slides/slide5.xml><?xml version="1.0" encoding="utf-8"?>
+<p:sld xmlns:a="http://schemas.openxmlformats.org/drawingml/2006/main" xmlns:r="http://schemas.openxmlformats.org/officeDocument/2006/relationships" xmlns:p="http://schemas.openxmlformats.org/presentationml/2006/main">
+  <p:cSld>
+    <p:spTree>
+      <p:nvGrpSpPr>
+        <p:cNvPr id="1" name=""/>
+        <p:cNvGrpSpPr/>
+        <p:nvPr/>
+      </p:nvGrpSpPr>
+      <p:grpSpPr>
+        <a:xfrm>
+          <a:off x="0" y="0"/>
+          <a:ext cx="0" cy="0"/>
+          <a:chOff x="0" y="0"/>
+          <a:chExt cx="0" cy="0"/>
+        </a:xfrm>
+      </p:grpSpPr>
+      <p:sp>
+        <p:nvSpPr>
+          <p:cNvPr id="4" name="TextBox 3"/>
+          <p:cNvSpPr txBox="1"/>
+          <p:nvPr/>
+        </p:nvSpPr>
+        <p:spPr>
+          <a:xfrm>
+            <a:off x="696287" y="406945"/>
+            <a:ext cx="2389180" cy="646331"/>
+          </a:xfrm>
+          <a:prstGeom prst="rect">
+            <a:avLst/>
+          </a:prstGeom>
+          <a:noFill/>
+        </p:spPr>
+        <p:txBody>
+          <a:bodyPr wrap="none" rtlCol="0">
+            <a:spAutoFit/>
+          </a:bodyPr>
+          <a:lstStyle/>
+          <a:p>
+            <a:r>
+              <a:rPr lang="en-US" altLang="ko-KR" dirty="0" smtClean="0"/>
+              <a:t>flask </a:t>
+            </a:r>
+            <a:r>
+              <a:rPr lang="en-US" altLang="ko-KR" dirty="0" err="1" smtClean="0"/>
+              <a:t>wep</a:t>
+            </a:r>
+            <a:r>
+              <a:rPr lang="en-US" altLang="ko-KR" dirty="0" smtClean="0"/>
+              <a:t> application</a:t>
+            </a:r>
+          </a:p>
+          <a:p>
+            <a:r>
+              <a:rPr lang="ko-KR" altLang="en-US" dirty="0" err="1" smtClean="0"/>
+              <a:t>디렉토리</a:t>
+            </a:r>
+            <a:r>
+              <a:rPr lang="ko-KR" altLang="en-US" dirty="0" smtClean="0"/>
+              <a:t> 구조</a:t>
+            </a:r>
+            <a:endParaRPr lang="ko-KR" altLang="en-US" dirty="0"/>
+          </a:p>
+        </p:txBody>
+      </p:sp>
+      <p:sp>
+        <p:nvSpPr>
+          <p:cNvPr id="5" name="TextBox 4"/>
+          <p:cNvSpPr txBox="1"/>
+          <p:nvPr/>
+        </p:nvSpPr>
+        <p:spPr>
+          <a:xfrm>
+            <a:off x="3922241" y="406945"/>
+            <a:ext cx="4910319" cy="2677656"/>
+          </a:xfrm>
+          <a:prstGeom prst="rect">
+            <a:avLst/>
+          </a:prstGeom>
+          <a:noFill/>
+        </p:spPr>
+        <p:txBody>
+          <a:bodyPr wrap="none" rtlCol="0">
+            <a:spAutoFit/>
+          </a:bodyPr>
+          <a:lstStyle/>
+          <a:p>
+            <a:r>
+              <a:rPr lang="en-US" altLang="ko-KR" sz="2800" dirty="0" err="1" smtClean="0"/>
+              <a:t>sasa</a:t>
+            </a:r>
+            <a:r>
+              <a:rPr lang="en-US" altLang="ko-KR" sz="2800" dirty="0" smtClean="0"/>
+              <a:t> 	/ </a:t>
+            </a:r>
+            <a:r>
+              <a:rPr lang="en-US" altLang="ko-KR" sz="2800" dirty="0" err="1" smtClean="0"/>
+              <a:t>gcircuit</a:t>
+            </a:r>
+            <a:r>
+              <a:rPr lang="en-US" altLang="ko-KR" sz="2800" dirty="0" smtClean="0"/>
+              <a:t> </a:t>
+            </a:r>
+          </a:p>
+          <a:p>
+            <a:r>
+              <a:rPr lang="en-US" altLang="ko-KR" sz="2800" dirty="0"/>
+              <a:t>	</a:t>
+            </a:r>
+            <a:r>
+              <a:rPr lang="en-US" altLang="ko-KR" sz="2800" dirty="0" smtClean="0"/>
+              <a:t>	/ static</a:t>
+            </a:r>
+          </a:p>
+          <a:p>
+            <a:r>
+              <a:rPr lang="en-US" altLang="ko-KR" sz="2800" dirty="0"/>
+              <a:t>		/ templates</a:t>
+            </a:r>
+          </a:p>
+          <a:p>
+            <a:r>
+              <a:rPr lang="en-US" altLang="ko-KR" sz="2800" dirty="0"/>
+              <a:t>		</a:t>
+            </a:r>
+            <a:r>
+              <a:rPr lang="en-US" altLang="ko-KR" sz="2800" dirty="0" smtClean="0"/>
+              <a:t>	/ index.html</a:t>
+            </a:r>
+            <a:endParaRPr lang="en-US" altLang="ko-KR" sz="2800" dirty="0"/>
+          </a:p>
+          <a:p>
+            <a:r>
+              <a:rPr lang="en-US" altLang="ko-KR" sz="2800" dirty="0"/>
+              <a:t>	</a:t>
+            </a:r>
+            <a:r>
+              <a:rPr lang="en-US" altLang="ko-KR" sz="2800" dirty="0" smtClean="0"/>
+              <a:t>	/  __init__.py</a:t>
+            </a:r>
+          </a:p>
+          <a:p>
+            <a:r>
+              <a:rPr lang="en-US" altLang="ko-KR" sz="2800" dirty="0"/>
+              <a:t>	</a:t>
+            </a:r>
+            <a:r>
+              <a:rPr lang="en-US" altLang="ko-KR" sz="2800" dirty="0" smtClean="0"/>
+              <a:t>/ start_app.py</a:t>
+            </a:r>
+            <a:endParaRPr lang="ko-KR" altLang="en-US" sz="2800" dirty="0"/>
+          </a:p>
+        </p:txBody>
+      </p:sp>
+    </p:spTree>
+    <p:extLst>
+      <p:ext uri="{BB962C8B-B14F-4D97-AF65-F5344CB8AC3E}">
+        <p14:creationId xmlns:p14="http://schemas.microsoft.com/office/powerpoint/2010/main" val="4165778585"/>
+      </p:ext>
+    </p:extLst>
+  </p:cSld>
+  <p:clrMapOvr>
+    <a:masterClrMapping/>
+  </p:clrMapOvr>
+</p:sld>
+</file>
+
+<file path=ppt/slides/slide6.xml><?xml version="1.0" encoding="utf-8"?>
+<p:sld xmlns:a="http://schemas.openxmlformats.org/drawingml/2006/main" xmlns:r="http://schemas.openxmlformats.org/officeDocument/2006/relationships" xmlns:p="http://schemas.openxmlformats.org/presentationml/2006/main">
+  <p:cSld>
+    <p:spTree>
+      <p:nvGrpSpPr>
+        <p:cNvPr id="1" name=""/>
+        <p:cNvGrpSpPr/>
+        <p:nvPr/>
+      </p:nvGrpSpPr>
+      <p:grpSpPr>
+        <a:xfrm>
+          <a:off x="0" y="0"/>
+          <a:ext cx="0" cy="0"/>
+          <a:chOff x="0" y="0"/>
+          <a:chExt cx="0" cy="0"/>
+        </a:xfrm>
+      </p:grpSpPr>
+      <p:sp>
+        <p:nvSpPr>
+          <p:cNvPr id="8" name="직사각형 7"/>
+          <p:cNvSpPr/>
+          <p:nvPr/>
+        </p:nvSpPr>
+        <p:spPr>
+          <a:xfrm>
+            <a:off x="604618" y="646244"/>
+            <a:ext cx="1504966" cy="457200"/>
+          </a:xfrm>
+          <a:prstGeom prst="rect">
+            <a:avLst/>
+          </a:prstGeom>
+        </p:spPr>
+        <p:style>
+          <a:lnRef idx="2">
+            <a:schemeClr val="accent1">
+              <a:shade val="50000"/>
+            </a:schemeClr>
+          </a:lnRef>
+          <a:fillRef idx="1">
+            <a:schemeClr val="accent1"/>
+          </a:fillRef>
+          <a:effectRef idx="0">
+            <a:schemeClr val="accent1"/>
+          </a:effectRef>
+          <a:fontRef idx="minor">
+            <a:schemeClr val="lt1"/>
+          </a:fontRef>
+        </p:style>
+        <p:txBody>
+          <a:bodyPr rtlCol="0" anchor="ctr"/>
+          <a:lstStyle/>
+          <a:p>
+            <a:pPr algn="ctr"/>
+            <a:r>
+              <a:rPr lang="en-US" altLang="ko-KR" dirty="0" smtClean="0"/>
+              <a:t>name</a:t>
+            </a:r>
+            <a:endParaRPr lang="ko-KR" altLang="en-US" dirty="0"/>
+          </a:p>
+        </p:txBody>
+      </p:sp>
+      <p:sp>
+        <p:nvSpPr>
+          <p:cNvPr id="10" name="직사각형 9"/>
+          <p:cNvSpPr/>
+          <p:nvPr/>
+        </p:nvSpPr>
+        <p:spPr>
+          <a:xfrm>
+            <a:off x="604618" y="1131990"/>
+            <a:ext cx="1504966" cy="457200"/>
+          </a:xfrm>
+          <a:prstGeom prst="rect">
+            <a:avLst/>
+          </a:prstGeom>
+        </p:spPr>
+        <p:style>
+          <a:lnRef idx="2">
+            <a:schemeClr val="accent1">
+              <a:shade val="50000"/>
+            </a:schemeClr>
+          </a:lnRef>
+          <a:fillRef idx="1">
+            <a:schemeClr val="accent1"/>
+          </a:fillRef>
+          <a:effectRef idx="0">
+            <a:schemeClr val="accent1"/>
+          </a:effectRef>
+          <a:fontRef idx="minor">
+            <a:schemeClr val="lt1"/>
+          </a:fontRef>
+        </p:style>
+        <p:txBody>
+          <a:bodyPr rtlCol="0" anchor="ctr"/>
+          <a:lstStyle/>
+          <a:p>
+            <a:pPr algn="ctr"/>
+            <a:r>
+              <a:rPr lang="en-US" altLang="ko-KR" dirty="0" smtClean="0"/>
+              <a:t>type</a:t>
+            </a:r>
+            <a:endParaRPr lang="ko-KR" altLang="en-US"/>
+          </a:p>
+        </p:txBody>
+      </p:sp>
+      <p:sp>
+        <p:nvSpPr>
+          <p:cNvPr id="14" name="직사각형 13"/>
+          <p:cNvSpPr/>
+          <p:nvPr/>
+        </p:nvSpPr>
+        <p:spPr>
+          <a:xfrm>
+            <a:off x="777134" y="2247923"/>
+            <a:ext cx="1159933" cy="457200"/>
+          </a:xfrm>
+          <a:prstGeom prst="rect">
+            <a:avLst/>
+          </a:prstGeom>
+          <a:solidFill>
+            <a:srgbClr val="FF0000"/>
+          </a:solidFill>
+        </p:spPr>
+        <p:style>
+          <a:lnRef idx="2">
+            <a:schemeClr val="accent1">
+              <a:shade val="50000"/>
+            </a:schemeClr>
+          </a:lnRef>
+          <a:fillRef idx="1">
+            <a:schemeClr val="accent1"/>
+          </a:fillRef>
+          <a:effectRef idx="0">
+            <a:schemeClr val="accent1"/>
+          </a:effectRef>
+          <a:fontRef idx="minor">
+            <a:schemeClr val="lt1"/>
+          </a:fontRef>
+        </p:style>
+        <p:txBody>
+          <a:bodyPr rtlCol="0" anchor="ctr"/>
+          <a:lstStyle/>
+          <a:p>
+            <a:pPr algn="ctr"/>
+            <a:r>
+              <a:rPr lang="en-US" altLang="ko-KR" dirty="0" smtClean="0"/>
+              <a:t>submit</a:t>
+            </a:r>
+            <a:endParaRPr lang="ko-KR" altLang="en-US"/>
+          </a:p>
+        </p:txBody>
+      </p:sp>
+      <p:sp>
+        <p:nvSpPr>
+          <p:cNvPr id="15" name="자유형 14"/>
+          <p:cNvSpPr/>
+          <p:nvPr/>
+        </p:nvSpPr>
+        <p:spPr>
+          <a:xfrm>
+            <a:off x="6081162" y="4279999"/>
+            <a:ext cx="4809066" cy="1622263"/>
+          </a:xfrm>
+          <a:custGeom>
+            <a:avLst/>
+            <a:gdLst>
+              <a:gd name="connsiteX0" fmla="*/ 0 w 4809066"/>
+              <a:gd name="connsiteY0" fmla="*/ 614284 h 1622263"/>
+              <a:gd name="connsiteX1" fmla="*/ 533400 w 4809066"/>
+              <a:gd name="connsiteY1" fmla="*/ 4684 h 1622263"/>
+              <a:gd name="connsiteX2" fmla="*/ 846666 w 4809066"/>
+              <a:gd name="connsiteY2" fmla="*/ 902151 h 1622263"/>
+              <a:gd name="connsiteX3" fmla="*/ 1811866 w 4809066"/>
+              <a:gd name="connsiteY3" fmla="*/ 444951 h 1622263"/>
+              <a:gd name="connsiteX4" fmla="*/ 2760133 w 4809066"/>
+              <a:gd name="connsiteY4" fmla="*/ 1003751 h 1622263"/>
+              <a:gd name="connsiteX5" fmla="*/ 3945466 w 4809066"/>
+              <a:gd name="connsiteY5" fmla="*/ 504218 h 1622263"/>
+              <a:gd name="connsiteX6" fmla="*/ 4470400 w 4809066"/>
+              <a:gd name="connsiteY6" fmla="*/ 1596418 h 1622263"/>
+              <a:gd name="connsiteX7" fmla="*/ 4809066 w 4809066"/>
+              <a:gd name="connsiteY7" fmla="*/ 1266218 h 1622263"/>
+            </a:gdLst>
+            <a:ahLst/>
+            <a:cxnLst>
+              <a:cxn ang="0">
+                <a:pos x="connsiteX0" y="connsiteY0"/>
+              </a:cxn>
+              <a:cxn ang="0">
+                <a:pos x="connsiteX1" y="connsiteY1"/>
+              </a:cxn>
+              <a:cxn ang="0">
+                <a:pos x="connsiteX2" y="connsiteY2"/>
+              </a:cxn>
+              <a:cxn ang="0">
+                <a:pos x="connsiteX3" y="connsiteY3"/>
+              </a:cxn>
+              <a:cxn ang="0">
+                <a:pos x="connsiteX4" y="connsiteY4"/>
+              </a:cxn>
+              <a:cxn ang="0">
+                <a:pos x="connsiteX5" y="connsiteY5"/>
+              </a:cxn>
+              <a:cxn ang="0">
+                <a:pos x="connsiteX6" y="connsiteY6"/>
+              </a:cxn>
+              <a:cxn ang="0">
+                <a:pos x="connsiteX7" y="connsiteY7"/>
+              </a:cxn>
+            </a:cxnLst>
+            <a:rect l="l" t="t" r="r" b="b"/>
+            <a:pathLst>
+              <a:path w="4809066" h="1622263">
+                <a:moveTo>
+                  <a:pt x="0" y="614284"/>
+                </a:moveTo>
+                <a:cubicBezTo>
+                  <a:pt x="196144" y="285495"/>
+                  <a:pt x="392289" y="-43294"/>
+                  <a:pt x="533400" y="4684"/>
+                </a:cubicBezTo>
+                <a:cubicBezTo>
+                  <a:pt x="674511" y="52662"/>
+                  <a:pt x="633588" y="828773"/>
+                  <a:pt x="846666" y="902151"/>
+                </a:cubicBezTo>
+                <a:cubicBezTo>
+                  <a:pt x="1059744" y="975529"/>
+                  <a:pt x="1492955" y="428018"/>
+                  <a:pt x="1811866" y="444951"/>
+                </a:cubicBezTo>
+                <a:cubicBezTo>
+                  <a:pt x="2130777" y="461884"/>
+                  <a:pt x="2404533" y="993873"/>
+                  <a:pt x="2760133" y="1003751"/>
+                </a:cubicBezTo>
+                <a:cubicBezTo>
+                  <a:pt x="3115733" y="1013629"/>
+                  <a:pt x="3660422" y="405440"/>
+                  <a:pt x="3945466" y="504218"/>
+                </a:cubicBezTo>
+                <a:cubicBezTo>
+                  <a:pt x="4230511" y="602996"/>
+                  <a:pt x="4326467" y="1469418"/>
+                  <a:pt x="4470400" y="1596418"/>
+                </a:cubicBezTo>
+                <a:cubicBezTo>
+                  <a:pt x="4614333" y="1723418"/>
+                  <a:pt x="4746977" y="1345240"/>
+                  <a:pt x="4809066" y="1266218"/>
+                </a:cubicBezTo>
+              </a:path>
+            </a:pathLst>
+          </a:custGeom>
+          <a:noFill/>
+        </p:spPr>
+        <p:style>
+          <a:lnRef idx="2">
+            <a:schemeClr val="accent1">
+              <a:shade val="50000"/>
+            </a:schemeClr>
+          </a:lnRef>
+          <a:fillRef idx="1">
+            <a:schemeClr val="accent1"/>
+          </a:fillRef>
+          <a:effectRef idx="0">
+            <a:schemeClr val="accent1"/>
+          </a:effectRef>
+          <a:fontRef idx="minor">
+            <a:schemeClr val="lt1"/>
+          </a:fontRef>
+        </p:style>
+        <p:txBody>
+          <a:bodyPr rtlCol="0" anchor="ctr"/>
+          <a:lstStyle/>
+          <a:p>
+            <a:pPr algn="ctr"/>
+            <a:endParaRPr lang="ko-KR" altLang="en-US"/>
+          </a:p>
+        </p:txBody>
+      </p:sp>
+      <p:sp>
+        <p:nvSpPr>
+          <p:cNvPr id="17" name="오른쪽 화살표 16"/>
+          <p:cNvSpPr/>
+          <p:nvPr/>
+        </p:nvSpPr>
+        <p:spPr>
+          <a:xfrm rot="10800000">
+            <a:off x="7387116" y="1021521"/>
+            <a:ext cx="1456266" cy="753534"/>
+          </a:xfrm>
+          <a:prstGeom prst="rightArrow">
+            <a:avLst/>
+          </a:prstGeom>
+        </p:spPr>
+        <p:style>
+          <a:lnRef idx="2">
+            <a:schemeClr val="accent1">
+              <a:shade val="50000"/>
+            </a:schemeClr>
+          </a:lnRef>
+          <a:fillRef idx="1">
+            <a:schemeClr val="accent1"/>
+          </a:fillRef>
+          <a:effectRef idx="0">
+            <a:schemeClr val="accent1"/>
+          </a:effectRef>
+          <a:fontRef idx="minor">
+            <a:schemeClr val="lt1"/>
+          </a:fontRef>
+        </p:style>
+        <p:txBody>
+          <a:bodyPr rtlCol="0" anchor="ctr"/>
+          <a:lstStyle/>
+          <a:p>
+            <a:pPr algn="ctr"/>
+            <a:endParaRPr lang="ko-KR" altLang="en-US"/>
+          </a:p>
+        </p:txBody>
+      </p:sp>
+      <p:cxnSp>
+        <p:nvCxnSpPr>
+          <p:cNvPr id="19" name="직선 연결선 18"/>
+          <p:cNvCxnSpPr/>
+          <p:nvPr/>
+        </p:nvCxnSpPr>
+        <p:spPr>
+          <a:xfrm>
+            <a:off x="6819849" y="1398288"/>
+            <a:ext cx="3582884" cy="8051"/>
+          </a:xfrm>
+          <a:prstGeom prst="line">
+            <a:avLst/>
+          </a:prstGeom>
+        </p:spPr>
+        <p:style>
+          <a:lnRef idx="1">
+            <a:schemeClr val="accent1"/>
+          </a:lnRef>
+          <a:fillRef idx="0">
+            <a:schemeClr val="accent1"/>
+          </a:fillRef>
+          <a:effectRef idx="0">
+            <a:schemeClr val="accent1"/>
+          </a:effectRef>
+          <a:fontRef idx="minor">
+            <a:schemeClr val="tx1"/>
+          </a:fontRef>
+        </p:style>
+      </p:cxnSp>
+      <p:cxnSp>
+        <p:nvCxnSpPr>
+          <p:cNvPr id="21" name="직선 화살표 연결선 20"/>
+          <p:cNvCxnSpPr/>
+          <p:nvPr/>
+        </p:nvCxnSpPr>
+        <p:spPr>
+          <a:xfrm flipH="1">
+            <a:off x="9061082" y="901371"/>
+            <a:ext cx="372533" cy="0"/>
+          </a:xfrm>
+          <a:prstGeom prst="straightConnector1">
+            <a:avLst/>
+          </a:prstGeom>
+          <a:ln>
+            <a:tailEnd type="triangle"/>
+          </a:ln>
+        </p:spPr>
+        <p:style>
+          <a:lnRef idx="1">
+            <a:schemeClr val="accent1"/>
+          </a:lnRef>
+          <a:fillRef idx="0">
+            <a:schemeClr val="accent1"/>
+          </a:fillRef>
+          <a:effectRef idx="0">
+            <a:schemeClr val="accent1"/>
+          </a:effectRef>
+          <a:fontRef idx="minor">
+            <a:schemeClr val="tx1"/>
+          </a:fontRef>
+        </p:style>
+      </p:cxnSp>
+      <p:cxnSp>
+        <p:nvCxnSpPr>
+          <p:cNvPr id="23" name="직선 연결선 22"/>
+          <p:cNvCxnSpPr/>
+          <p:nvPr/>
+        </p:nvCxnSpPr>
+        <p:spPr>
+          <a:xfrm>
+            <a:off x="9433615" y="901371"/>
+            <a:ext cx="16933" cy="486835"/>
+          </a:xfrm>
+          <a:prstGeom prst="line">
+            <a:avLst/>
+          </a:prstGeom>
+        </p:spPr>
+        <p:style>
+          <a:lnRef idx="1">
+            <a:schemeClr val="accent1"/>
+          </a:lnRef>
+          <a:fillRef idx="0">
+            <a:schemeClr val="accent1"/>
+          </a:fillRef>
+          <a:effectRef idx="0">
+            <a:schemeClr val="accent1"/>
+          </a:effectRef>
+          <a:fontRef idx="minor">
+            <a:schemeClr val="tx1"/>
+          </a:fontRef>
+        </p:style>
+      </p:cxnSp>
+      <p:cxnSp>
+        <p:nvCxnSpPr>
+          <p:cNvPr id="25" name="직선 연결선 24"/>
+          <p:cNvCxnSpPr/>
+          <p:nvPr/>
+        </p:nvCxnSpPr>
+        <p:spPr>
+          <a:xfrm flipV="1">
+            <a:off x="7130534" y="1038288"/>
+            <a:ext cx="0" cy="360000"/>
+          </a:xfrm>
+          <a:prstGeom prst="line">
+            <a:avLst/>
+          </a:prstGeom>
+        </p:spPr>
+        <p:style>
+          <a:lnRef idx="1">
+            <a:schemeClr val="accent1"/>
+          </a:lnRef>
+          <a:fillRef idx="0">
+            <a:schemeClr val="accent1"/>
+          </a:fillRef>
+          <a:effectRef idx="0">
+            <a:schemeClr val="accent1"/>
+          </a:effectRef>
+          <a:fontRef idx="minor">
+            <a:schemeClr val="tx1"/>
+          </a:fontRef>
+        </p:style>
+      </p:cxnSp>
+      <p:cxnSp>
+        <p:nvCxnSpPr>
+          <p:cNvPr id="27" name="직선 연결선 26"/>
+          <p:cNvCxnSpPr/>
+          <p:nvPr/>
+        </p:nvCxnSpPr>
+        <p:spPr>
+          <a:xfrm>
+            <a:off x="6978134" y="1038288"/>
+            <a:ext cx="372533" cy="0"/>
+          </a:xfrm>
+          <a:prstGeom prst="line">
+            <a:avLst/>
+          </a:prstGeom>
+        </p:spPr>
+        <p:style>
+          <a:lnRef idx="1">
+            <a:schemeClr val="accent1"/>
+          </a:lnRef>
+          <a:fillRef idx="0">
+            <a:schemeClr val="accent1"/>
+          </a:fillRef>
+          <a:effectRef idx="0">
+            <a:schemeClr val="accent1"/>
+          </a:effectRef>
+          <a:fontRef idx="minor">
+            <a:schemeClr val="tx1"/>
+          </a:fontRef>
+        </p:style>
+      </p:cxnSp>
+      <p:sp>
+        <p:nvSpPr>
+          <p:cNvPr id="32" name="타원 31"/>
+          <p:cNvSpPr/>
+          <p:nvPr/>
+        </p:nvSpPr>
+        <p:spPr>
+          <a:xfrm>
+            <a:off x="8994565" y="1273405"/>
+            <a:ext cx="287866" cy="249766"/>
+          </a:xfrm>
+          <a:prstGeom prst="ellipse">
+            <a:avLst/>
+          </a:prstGeom>
+        </p:spPr>
+        <p:style>
+          <a:lnRef idx="2">
+            <a:schemeClr val="accent1">
+              <a:shade val="50000"/>
+            </a:schemeClr>
+          </a:lnRef>
+          <a:fillRef idx="1">
+            <a:schemeClr val="accent1"/>
+          </a:fillRef>
+          <a:effectRef idx="0">
+            <a:schemeClr val="accent1"/>
+          </a:effectRef>
+          <a:fontRef idx="minor">
+            <a:schemeClr val="lt1"/>
+          </a:fontRef>
+        </p:style>
+        <p:txBody>
+          <a:bodyPr rtlCol="0" anchor="ctr"/>
+          <a:lstStyle/>
+          <a:p>
+            <a:pPr algn="ctr"/>
+            <a:endParaRPr lang="ko-KR" altLang="en-US"/>
+          </a:p>
+        </p:txBody>
+      </p:sp>
+      <p:sp>
+        <p:nvSpPr>
+          <p:cNvPr id="3" name="TextBox 2"/>
+          <p:cNvSpPr txBox="1"/>
+          <p:nvPr/>
+        </p:nvSpPr>
+        <p:spPr>
+          <a:xfrm>
+            <a:off x="9237564" y="1523171"/>
+            <a:ext cx="1107996" cy="646331"/>
+          </a:xfrm>
+          <a:prstGeom prst="rect">
+            <a:avLst/>
+          </a:prstGeom>
+          <a:noFill/>
+        </p:spPr>
+        <p:txBody>
+          <a:bodyPr wrap="none" rtlCol="0">
+            <a:spAutoFit/>
+          </a:bodyPr>
+          <a:lstStyle/>
+          <a:p>
+            <a:r>
+              <a:rPr lang="ko-KR" altLang="en-US" dirty="0" smtClean="0"/>
+              <a:t>프로모터</a:t>
+            </a:r>
+            <a:endParaRPr lang="en-US" altLang="ko-KR" dirty="0" smtClean="0"/>
+          </a:p>
+          <a:p>
+            <a:r>
+              <a:rPr lang="ko-KR" altLang="en-US" dirty="0" err="1" smtClean="0"/>
+              <a:t>항시발현</a:t>
+            </a:r>
+            <a:endParaRPr lang="ko-KR" altLang="en-US" dirty="0"/>
+          </a:p>
+        </p:txBody>
+      </p:sp>
+      <p:sp>
+        <p:nvSpPr>
+          <p:cNvPr id="40" name="TextBox 39"/>
+          <p:cNvSpPr txBox="1"/>
+          <p:nvPr/>
+        </p:nvSpPr>
+        <p:spPr>
+          <a:xfrm>
+            <a:off x="7792751" y="1563939"/>
+            <a:ext cx="1526315" cy="923330"/>
+          </a:xfrm>
+          <a:prstGeom prst="rect">
+            <a:avLst/>
+          </a:prstGeom>
+          <a:noFill/>
+        </p:spPr>
+        <p:txBody>
+          <a:bodyPr wrap="none" rtlCol="0">
+            <a:spAutoFit/>
+          </a:bodyPr>
+          <a:lstStyle/>
+          <a:p>
+            <a:r>
+              <a:rPr lang="en-US" altLang="ko-KR" dirty="0" smtClean="0"/>
+              <a:t>Green </a:t>
+            </a:r>
+          </a:p>
+          <a:p>
+            <a:r>
+              <a:rPr lang="en-US" altLang="ko-KR" dirty="0" smtClean="0"/>
+              <a:t>Fluorescence</a:t>
+            </a:r>
+          </a:p>
+          <a:p>
+            <a:r>
+              <a:rPr lang="en-US" altLang="ko-KR" dirty="0" smtClean="0"/>
+              <a:t>Protein</a:t>
+            </a:r>
+            <a:endParaRPr lang="ko-KR" altLang="en-US" dirty="0"/>
+          </a:p>
+        </p:txBody>
+      </p:sp>
+      <p:sp>
+        <p:nvSpPr>
+          <p:cNvPr id="18" name="모서리가 둥근 직사각형 17"/>
+          <p:cNvSpPr/>
+          <p:nvPr/>
+        </p:nvSpPr>
+        <p:spPr>
+          <a:xfrm>
+            <a:off x="6287678" y="593964"/>
+            <a:ext cx="4498855" cy="1825069"/>
+          </a:xfrm>
+          <a:prstGeom prst="roundRect">
+            <a:avLst/>
+          </a:prstGeom>
+          <a:noFill/>
+          <a:ln>
+            <a:solidFill>
+              <a:schemeClr val="tx1"/>
+            </a:solidFill>
+          </a:ln>
+        </p:spPr>
+        <p:style>
+          <a:lnRef idx="2">
+            <a:schemeClr val="accent1">
+              <a:shade val="50000"/>
+            </a:schemeClr>
+          </a:lnRef>
+          <a:fillRef idx="1">
+            <a:schemeClr val="accent1"/>
+          </a:fillRef>
+          <a:effectRef idx="0">
+            <a:schemeClr val="accent1"/>
+          </a:effectRef>
+          <a:fontRef idx="minor">
+            <a:schemeClr val="lt1"/>
+          </a:fontRef>
+        </p:style>
+        <p:txBody>
+          <a:bodyPr rtlCol="0" anchor="ctr"/>
+          <a:lstStyle/>
+          <a:p>
+            <a:pPr algn="ctr"/>
+            <a:endParaRPr lang="ko-KR" altLang="en-US"/>
+          </a:p>
+        </p:txBody>
+      </p:sp>
+      <p:sp>
+        <p:nvSpPr>
+          <p:cNvPr id="41" name="TextBox 40"/>
+          <p:cNvSpPr txBox="1"/>
+          <p:nvPr/>
+        </p:nvSpPr>
+        <p:spPr>
+          <a:xfrm>
+            <a:off x="6304147" y="252665"/>
+            <a:ext cx="646331" cy="369332"/>
+          </a:xfrm>
+          <a:prstGeom prst="rect">
+            <a:avLst/>
+          </a:prstGeom>
+          <a:noFill/>
+        </p:spPr>
+        <p:txBody>
+          <a:bodyPr wrap="none" rtlCol="0">
+            <a:spAutoFit/>
+          </a:bodyPr>
+          <a:lstStyle/>
+          <a:p>
+            <a:r>
+              <a:rPr lang="ko-KR" altLang="en-US" dirty="0" smtClean="0"/>
+              <a:t>세포</a:t>
+            </a:r>
+            <a:endParaRPr lang="ko-KR" altLang="en-US" dirty="0"/>
+          </a:p>
+        </p:txBody>
+      </p:sp>
+      <p:cxnSp>
+        <p:nvCxnSpPr>
+          <p:cNvPr id="22" name="직선 화살표 연결선 21"/>
+          <p:cNvCxnSpPr/>
+          <p:nvPr/>
+        </p:nvCxnSpPr>
+        <p:spPr>
+          <a:xfrm>
+            <a:off x="5927075" y="6097310"/>
+            <a:ext cx="5130566" cy="0"/>
+          </a:xfrm>
+          <a:prstGeom prst="straightConnector1">
+            <a:avLst/>
+          </a:prstGeom>
+          <a:ln>
+            <a:tailEnd type="triangle"/>
+          </a:ln>
+        </p:spPr>
+        <p:style>
+          <a:lnRef idx="1">
+            <a:schemeClr val="accent1"/>
+          </a:lnRef>
+          <a:fillRef idx="0">
+            <a:schemeClr val="accent1"/>
+          </a:fillRef>
+          <a:effectRef idx="0">
+            <a:schemeClr val="accent1"/>
+          </a:effectRef>
+          <a:fontRef idx="minor">
+            <a:schemeClr val="tx1"/>
+          </a:fontRef>
+        </p:style>
+      </p:cxnSp>
+      <p:cxnSp>
+        <p:nvCxnSpPr>
+          <p:cNvPr id="42" name="직선 화살표 연결선 41"/>
+          <p:cNvCxnSpPr/>
+          <p:nvPr/>
+        </p:nvCxnSpPr>
+        <p:spPr>
+          <a:xfrm flipH="1" flipV="1">
+            <a:off x="5927075" y="3924396"/>
+            <a:ext cx="0" cy="2176353"/>
+          </a:xfrm>
+          <a:prstGeom prst="straightConnector1">
+            <a:avLst/>
+          </a:prstGeom>
+          <a:ln>
+            <a:tailEnd type="triangle"/>
+          </a:ln>
+        </p:spPr>
+        <p:style>
+          <a:lnRef idx="1">
+            <a:schemeClr val="accent1"/>
+          </a:lnRef>
+          <a:fillRef idx="0">
+            <a:schemeClr val="accent1"/>
+          </a:fillRef>
+          <a:effectRef idx="0">
+            <a:schemeClr val="accent1"/>
+          </a:effectRef>
+          <a:fontRef idx="minor">
+            <a:schemeClr val="tx1"/>
+          </a:fontRef>
+        </p:style>
+      </p:cxnSp>
+      <p:sp>
+        <p:nvSpPr>
+          <p:cNvPr id="43" name="TextBox 42"/>
+          <p:cNvSpPr txBox="1"/>
+          <p:nvPr/>
+        </p:nvSpPr>
+        <p:spPr>
+          <a:xfrm>
+            <a:off x="5288045" y="4628730"/>
+            <a:ext cx="603050" cy="369332"/>
+          </a:xfrm>
+          <a:prstGeom prst="rect">
+            <a:avLst/>
+          </a:prstGeom>
+          <a:noFill/>
+        </p:spPr>
+        <p:txBody>
+          <a:bodyPr wrap="none" rtlCol="0">
+            <a:spAutoFit/>
+          </a:bodyPr>
+          <a:lstStyle/>
+          <a:p>
+            <a:r>
+              <a:rPr lang="en-US" altLang="ko-KR" dirty="0" smtClean="0"/>
+              <a:t>RFU</a:t>
+            </a:r>
+            <a:endParaRPr lang="ko-KR" altLang="en-US" dirty="0"/>
+          </a:p>
+        </p:txBody>
+      </p:sp>
+      <p:sp>
+        <p:nvSpPr>
+          <p:cNvPr id="44" name="TextBox 43"/>
+          <p:cNvSpPr txBox="1"/>
+          <p:nvPr/>
+        </p:nvSpPr>
+        <p:spPr>
+          <a:xfrm>
+            <a:off x="7792751" y="6292359"/>
+            <a:ext cx="647934" cy="369332"/>
+          </a:xfrm>
+          <a:prstGeom prst="rect">
+            <a:avLst/>
+          </a:prstGeom>
+          <a:noFill/>
+        </p:spPr>
+        <p:txBody>
+          <a:bodyPr wrap="none" rtlCol="0">
+            <a:spAutoFit/>
+          </a:bodyPr>
+          <a:lstStyle/>
+          <a:p>
+            <a:r>
+              <a:rPr lang="en-US" altLang="ko-KR" dirty="0" smtClean="0"/>
+              <a:t>time</a:t>
+            </a:r>
+            <a:endParaRPr lang="ko-KR" altLang="en-US" dirty="0"/>
+          </a:p>
+        </p:txBody>
+      </p:sp>
+      <p:sp>
+        <p:nvSpPr>
+          <p:cNvPr id="30" name="아래쪽 화살표 29"/>
+          <p:cNvSpPr/>
+          <p:nvPr/>
+        </p:nvSpPr>
+        <p:spPr>
+          <a:xfrm>
+            <a:off x="8248454" y="2771480"/>
+            <a:ext cx="499620" cy="1381516"/>
+          </a:xfrm>
+          <a:prstGeom prst="downArrow">
+            <a:avLst/>
+          </a:prstGeom>
+        </p:spPr>
+        <p:style>
+          <a:lnRef idx="2">
+            <a:schemeClr val="accent1">
+              <a:shade val="50000"/>
+            </a:schemeClr>
+          </a:lnRef>
+          <a:fillRef idx="1">
+            <a:schemeClr val="accent1"/>
+          </a:fillRef>
+          <a:effectRef idx="0">
+            <a:schemeClr val="accent1"/>
+          </a:effectRef>
+          <a:fontRef idx="minor">
+            <a:schemeClr val="lt1"/>
+          </a:fontRef>
+        </p:style>
+        <p:txBody>
+          <a:bodyPr rtlCol="0" anchor="ctr"/>
+          <a:lstStyle/>
+          <a:p>
+            <a:pPr algn="ctr"/>
+            <a:endParaRPr lang="ko-KR" altLang="en-US"/>
+          </a:p>
+        </p:txBody>
+      </p:sp>
+      <p:sp>
+        <p:nvSpPr>
+          <p:cNvPr id="45" name="TextBox 44"/>
+          <p:cNvSpPr txBox="1"/>
+          <p:nvPr/>
+        </p:nvSpPr>
+        <p:spPr>
+          <a:xfrm>
+            <a:off x="8914398" y="3199471"/>
+            <a:ext cx="1338828" cy="369332"/>
+          </a:xfrm>
+          <a:prstGeom prst="rect">
+            <a:avLst/>
+          </a:prstGeom>
+          <a:noFill/>
+        </p:spPr>
+        <p:txBody>
+          <a:bodyPr wrap="none" rtlCol="0">
+            <a:spAutoFit/>
+          </a:bodyPr>
+          <a:lstStyle/>
+          <a:p>
+            <a:r>
+              <a:rPr lang="ko-KR" altLang="en-US" dirty="0" smtClean="0"/>
+              <a:t>시뮬레이션</a:t>
+            </a:r>
+            <a:endParaRPr lang="ko-KR" altLang="en-US" dirty="0"/>
+          </a:p>
+        </p:txBody>
+      </p:sp>
+      <p:sp>
+        <p:nvSpPr>
+          <p:cNvPr id="46" name="TextBox 45"/>
+          <p:cNvSpPr txBox="1"/>
+          <p:nvPr/>
+        </p:nvSpPr>
+        <p:spPr>
+          <a:xfrm>
+            <a:off x="8914398" y="2854025"/>
+            <a:ext cx="1189749" cy="369332"/>
+          </a:xfrm>
+          <a:prstGeom prst="rect">
+            <a:avLst/>
+          </a:prstGeom>
+          <a:noFill/>
+        </p:spPr>
+        <p:txBody>
+          <a:bodyPr wrap="none" rtlCol="0">
+            <a:spAutoFit/>
+          </a:bodyPr>
+          <a:lstStyle/>
+          <a:p>
+            <a:r>
+              <a:rPr lang="ko-KR" altLang="en-US" dirty="0" smtClean="0"/>
+              <a:t>수학 모형</a:t>
+            </a:r>
+            <a:endParaRPr lang="ko-KR" altLang="en-US" dirty="0"/>
+          </a:p>
+        </p:txBody>
+      </p:sp>
+      <p:graphicFrame>
+        <p:nvGraphicFramePr>
+          <p:cNvPr id="4" name="표 3"/>
+          <p:cNvGraphicFramePr>
+            <a:graphicFrameLocks noGrp="1"/>
+          </p:cNvGraphicFramePr>
+          <p:nvPr>
+            <p:extLst>
+              <p:ext uri="{D42A27DB-BD31-4B8C-83A1-F6EECF244321}">
+                <p14:modId xmlns:p14="http://schemas.microsoft.com/office/powerpoint/2010/main" val="3030598820"/>
+              </p:ext>
+            </p:extLst>
+          </p:nvPr>
+        </p:nvGraphicFramePr>
+        <p:xfrm>
+          <a:off x="313245" y="3174962"/>
+          <a:ext cx="2087712" cy="1861303"/>
+        </p:xfrm>
+        <a:graphic>
+          <a:graphicData uri="http://schemas.openxmlformats.org/drawingml/2006/table">
+            <a:tbl>
+              <a:tblPr firstRow="1" bandRow="1">
+                <a:tableStyleId>{5C22544A-7EE6-4342-B048-85BDC9FD1C3A}</a:tableStyleId>
+              </a:tblPr>
+              <a:tblGrid>
+                <a:gridCol w="2087712"/>
+              </a:tblGrid>
+              <a:tr h="377943">
+                <a:tc>
+                  <a:txBody>
+                    <a:bodyPr/>
+                    <a:lstStyle/>
+                    <a:p>
+                      <a:pPr latinLnBrk="1"/>
+                      <a:r>
+                        <a:rPr lang="en-US" altLang="ko-KR" dirty="0" smtClean="0"/>
+                        <a:t>Part</a:t>
+                      </a:r>
+                      <a:r>
+                        <a:rPr lang="en-US" altLang="ko-KR" baseline="0" dirty="0" smtClean="0"/>
+                        <a:t> list</a:t>
+                      </a:r>
+                      <a:endParaRPr lang="ko-KR" altLang="en-US" dirty="0"/>
+                    </a:p>
+                  </a:txBody>
+                  <a:tcPr/>
+                </a:tc>
+              </a:tr>
+              <a:tr h="370840">
+                <a:tc>
+                  <a:txBody>
+                    <a:bodyPr/>
+                    <a:lstStyle/>
+                    <a:p>
+                      <a:pPr latinLnBrk="1"/>
+                      <a:r>
+                        <a:rPr lang="en-US" altLang="ko-KR" dirty="0" smtClean="0"/>
+                        <a:t>~~~</a:t>
+                      </a:r>
+                      <a:endParaRPr lang="ko-KR" altLang="en-US"/>
+                    </a:p>
+                  </a:txBody>
+                  <a:tcPr/>
+                </a:tc>
+              </a:tr>
+              <a:tr h="370840">
+                <a:tc>
+                  <a:txBody>
+                    <a:bodyPr/>
+                    <a:lstStyle/>
+                    <a:p>
+                      <a:pPr latinLnBrk="1"/>
+                      <a:r>
+                        <a:rPr lang="en-US" altLang="ko-KR" dirty="0" smtClean="0"/>
+                        <a:t>~~</a:t>
+                      </a:r>
+                      <a:endParaRPr lang="ko-KR" altLang="en-US"/>
+                    </a:p>
+                  </a:txBody>
+                  <a:tcPr/>
+                </a:tc>
+              </a:tr>
+              <a:tr h="370840">
+                <a:tc>
+                  <a:txBody>
+                    <a:bodyPr/>
+                    <a:lstStyle/>
+                    <a:p>
+                      <a:pPr latinLnBrk="1"/>
+                      <a:r>
+                        <a:rPr lang="en-US" altLang="ko-KR" dirty="0" smtClean="0"/>
+                        <a:t>~~</a:t>
+                      </a:r>
+                      <a:endParaRPr lang="ko-KR" altLang="en-US"/>
+                    </a:p>
+                  </a:txBody>
+                  <a:tcPr/>
+                </a:tc>
+              </a:tr>
+              <a:tr h="370840">
+                <a:tc>
+                  <a:txBody>
+                    <a:bodyPr/>
+                    <a:lstStyle/>
+                    <a:p>
+                      <a:pPr latinLnBrk="1"/>
+                      <a:endParaRPr lang="ko-KR" altLang="en-US" dirty="0"/>
+                    </a:p>
+                  </a:txBody>
+                  <a:tcPr/>
+                </a:tc>
+              </a:tr>
+            </a:tbl>
+          </a:graphicData>
+        </a:graphic>
+      </p:graphicFrame>
+      <p:sp>
+        <p:nvSpPr>
+          <p:cNvPr id="29" name="직사각형 28"/>
+          <p:cNvSpPr/>
+          <p:nvPr/>
+        </p:nvSpPr>
+        <p:spPr>
+          <a:xfrm>
+            <a:off x="641668" y="179306"/>
+            <a:ext cx="1159933" cy="457200"/>
+          </a:xfrm>
+          <a:prstGeom prst="rect">
+            <a:avLst/>
+          </a:prstGeom>
+          <a:noFill/>
+          <a:ln>
+            <a:noFill/>
+          </a:ln>
+        </p:spPr>
+        <p:style>
+          <a:lnRef idx="2">
+            <a:schemeClr val="accent1">
+              <a:shade val="50000"/>
+            </a:schemeClr>
+          </a:lnRef>
+          <a:fillRef idx="1">
+            <a:schemeClr val="accent1"/>
+          </a:fillRef>
+          <a:effectRef idx="0">
+            <a:schemeClr val="accent1"/>
+          </a:effectRef>
+          <a:fontRef idx="minor">
+            <a:schemeClr val="lt1"/>
+          </a:fontRef>
+        </p:style>
+        <p:txBody>
+          <a:bodyPr rtlCol="0" anchor="ctr"/>
+          <a:lstStyle/>
+          <a:p>
+            <a:pPr algn="ctr"/>
+            <a:r>
+              <a:rPr lang="en-US" altLang="ko-KR" dirty="0" smtClean="0">
+                <a:solidFill>
+                  <a:schemeClr val="tx1"/>
+                </a:solidFill>
+              </a:rPr>
+              <a:t>Parts</a:t>
+            </a:r>
+            <a:endParaRPr lang="ko-KR" altLang="en-US" dirty="0">
+              <a:solidFill>
+                <a:schemeClr val="tx1"/>
+              </a:solidFill>
+            </a:endParaRPr>
+          </a:p>
+        </p:txBody>
+      </p:sp>
+      <p:sp>
+        <p:nvSpPr>
+          <p:cNvPr id="31" name="직사각형 30"/>
+          <p:cNvSpPr/>
+          <p:nvPr/>
+        </p:nvSpPr>
+        <p:spPr>
+          <a:xfrm>
+            <a:off x="604618" y="1617736"/>
+            <a:ext cx="1504966" cy="457200"/>
+          </a:xfrm>
+          <a:prstGeom prst="rect">
+            <a:avLst/>
+          </a:prstGeom>
+        </p:spPr>
+        <p:style>
+          <a:lnRef idx="2">
+            <a:schemeClr val="accent1">
+              <a:shade val="50000"/>
+            </a:schemeClr>
+          </a:lnRef>
+          <a:fillRef idx="1">
+            <a:schemeClr val="accent1"/>
+          </a:fillRef>
+          <a:effectRef idx="0">
+            <a:schemeClr val="accent1"/>
+          </a:effectRef>
+          <a:fontRef idx="minor">
+            <a:schemeClr val="lt1"/>
+          </a:fontRef>
+        </p:style>
+        <p:txBody>
+          <a:bodyPr rtlCol="0" anchor="ctr"/>
+          <a:lstStyle/>
+          <a:p>
+            <a:pPr algn="ctr"/>
+            <a:r>
+              <a:rPr lang="en-US" altLang="ko-KR" dirty="0" smtClean="0"/>
+              <a:t>sequence</a:t>
+            </a:r>
+            <a:endParaRPr lang="ko-KR" altLang="en-US"/>
+          </a:p>
+        </p:txBody>
+      </p:sp>
+    </p:spTree>
+    <p:extLst>
+      <p:ext uri="{BB962C8B-B14F-4D97-AF65-F5344CB8AC3E}">
+        <p14:creationId xmlns:p14="http://schemas.microsoft.com/office/powerpoint/2010/main" val="1183952485"/>
+      </p:ext>
+    </p:extLst>
+  </p:cSld>
+  <p:clrMapOvr>
+    <a:masterClrMapping/>
+  </p:clrMapOvr>
+</p:sld>
+</file>
+
+<file path=ppt/slides/slide7.xml><?xml version="1.0" encoding="utf-8"?>
+<p:sld xmlns:a="http://schemas.openxmlformats.org/drawingml/2006/main" xmlns:r="http://schemas.openxmlformats.org/officeDocument/2006/relationships" xmlns:p="http://schemas.openxmlformats.org/presentationml/2006/main">
+  <p:cSld>
+    <p:spTree>
+      <p:nvGrpSpPr>
+        <p:cNvPr id="1" name=""/>
+        <p:cNvGrpSpPr/>
+        <p:nvPr/>
+      </p:nvGrpSpPr>
+      <p:grpSpPr>
+        <a:xfrm>
+          <a:off x="0" y="0"/>
+          <a:ext cx="0" cy="0"/>
+          <a:chOff x="0" y="0"/>
+          <a:chExt cx="0" cy="0"/>
+        </a:xfrm>
+      </p:grpSpPr>
+    </p:spTree>
+    <p:extLst>
+      <p:ext uri="{BB962C8B-B14F-4D97-AF65-F5344CB8AC3E}">
+        <p14:creationId xmlns:p14="http://schemas.microsoft.com/office/powerpoint/2010/main" val="3437197495"/>
+      </p:ext>
+    </p:extLst>
+  </p:cSld>
+  <p:clrMapOvr>
+    <a:masterClrMapping/>
+  </p:clrMapOvr>
+</p:sld>
+</file>
+
 <file path=ppt/theme/theme1.xml><?xml version="1.0" encoding="utf-8"?>
 <a:theme xmlns:a="http://schemas.openxmlformats.org/drawingml/2006/main" name="Office 테마">
   <a:themeElements>

--- a/sasa_project.pptx
+++ b/sasa_project.pptx
@@ -9,9 +9,6 @@
     <p:sldId id="259" r:id="rId3"/>
     <p:sldId id="257" r:id="rId4"/>
     <p:sldId id="258" r:id="rId5"/>
-    <p:sldId id="260" r:id="rId6"/>
-    <p:sldId id="262" r:id="rId7"/>
-    <p:sldId id="261" r:id="rId8"/>
   </p:sldIdLst>
   <p:sldSz cx="12192000" cy="6858000"/>
   <p:notesSz cx="6858000" cy="9144000"/>
@@ -249,7 +246,7 @@
           <a:p>
             <a:fld id="{442C0A88-2025-4266-8B5D-FCCA3F1E2E1C}" type="datetimeFigureOut">
               <a:rPr lang="ko-KR" altLang="en-US" smtClean="0"/>
-              <a:t>2020-01-15</a:t>
+              <a:t>2020-01-14</a:t>
             </a:fld>
             <a:endParaRPr lang="ko-KR" altLang="en-US"/>
           </a:p>
@@ -419,7 +416,7 @@
           <a:p>
             <a:fld id="{442C0A88-2025-4266-8B5D-FCCA3F1E2E1C}" type="datetimeFigureOut">
               <a:rPr lang="ko-KR" altLang="en-US" smtClean="0"/>
-              <a:t>2020-01-15</a:t>
+              <a:t>2020-01-14</a:t>
             </a:fld>
             <a:endParaRPr lang="ko-KR" altLang="en-US"/>
           </a:p>
@@ -599,7 +596,7 @@
           <a:p>
             <a:fld id="{442C0A88-2025-4266-8B5D-FCCA3F1E2E1C}" type="datetimeFigureOut">
               <a:rPr lang="ko-KR" altLang="en-US" smtClean="0"/>
-              <a:t>2020-01-15</a:t>
+              <a:t>2020-01-14</a:t>
             </a:fld>
             <a:endParaRPr lang="ko-KR" altLang="en-US"/>
           </a:p>
@@ -769,7 +766,7 @@
           <a:p>
             <a:fld id="{442C0A88-2025-4266-8B5D-FCCA3F1E2E1C}" type="datetimeFigureOut">
               <a:rPr lang="ko-KR" altLang="en-US" smtClean="0"/>
-              <a:t>2020-01-15</a:t>
+              <a:t>2020-01-14</a:t>
             </a:fld>
             <a:endParaRPr lang="ko-KR" altLang="en-US"/>
           </a:p>
@@ -1015,7 +1012,7 @@
           <a:p>
             <a:fld id="{442C0A88-2025-4266-8B5D-FCCA3F1E2E1C}" type="datetimeFigureOut">
               <a:rPr lang="ko-KR" altLang="en-US" smtClean="0"/>
-              <a:t>2020-01-15</a:t>
+              <a:t>2020-01-14</a:t>
             </a:fld>
             <a:endParaRPr lang="ko-KR" altLang="en-US"/>
           </a:p>
@@ -1247,7 +1244,7 @@
           <a:p>
             <a:fld id="{442C0A88-2025-4266-8B5D-FCCA3F1E2E1C}" type="datetimeFigureOut">
               <a:rPr lang="ko-KR" altLang="en-US" smtClean="0"/>
-              <a:t>2020-01-15</a:t>
+              <a:t>2020-01-14</a:t>
             </a:fld>
             <a:endParaRPr lang="ko-KR" altLang="en-US"/>
           </a:p>
@@ -1614,7 +1611,7 @@
           <a:p>
             <a:fld id="{442C0A88-2025-4266-8B5D-FCCA3F1E2E1C}" type="datetimeFigureOut">
               <a:rPr lang="ko-KR" altLang="en-US" smtClean="0"/>
-              <a:t>2020-01-15</a:t>
+              <a:t>2020-01-14</a:t>
             </a:fld>
             <a:endParaRPr lang="ko-KR" altLang="en-US"/>
           </a:p>
@@ -1732,7 +1729,7 @@
           <a:p>
             <a:fld id="{442C0A88-2025-4266-8B5D-FCCA3F1E2E1C}" type="datetimeFigureOut">
               <a:rPr lang="ko-KR" altLang="en-US" smtClean="0"/>
-              <a:t>2020-01-15</a:t>
+              <a:t>2020-01-14</a:t>
             </a:fld>
             <a:endParaRPr lang="ko-KR" altLang="en-US"/>
           </a:p>
@@ -1827,7 +1824,7 @@
           <a:p>
             <a:fld id="{442C0A88-2025-4266-8B5D-FCCA3F1E2E1C}" type="datetimeFigureOut">
               <a:rPr lang="ko-KR" altLang="en-US" smtClean="0"/>
-              <a:t>2020-01-15</a:t>
+              <a:t>2020-01-14</a:t>
             </a:fld>
             <a:endParaRPr lang="ko-KR" altLang="en-US"/>
           </a:p>
@@ -2104,7 +2101,7 @@
           <a:p>
             <a:fld id="{442C0A88-2025-4266-8B5D-FCCA3F1E2E1C}" type="datetimeFigureOut">
               <a:rPr lang="ko-KR" altLang="en-US" smtClean="0"/>
-              <a:t>2020-01-15</a:t>
+              <a:t>2020-01-14</a:t>
             </a:fld>
             <a:endParaRPr lang="ko-KR" altLang="en-US"/>
           </a:p>
@@ -2357,7 +2354,7 @@
           <a:p>
             <a:fld id="{442C0A88-2025-4266-8B5D-FCCA3F1E2E1C}" type="datetimeFigureOut">
               <a:rPr lang="ko-KR" altLang="en-US" smtClean="0"/>
-              <a:t>2020-01-15</a:t>
+              <a:t>2020-01-14</a:t>
             </a:fld>
             <a:endParaRPr lang="ko-KR" altLang="en-US"/>
           </a:p>
@@ -2570,7 +2567,7 @@
           <a:p>
             <a:fld id="{442C0A88-2025-4266-8B5D-FCCA3F1E2E1C}" type="datetimeFigureOut">
               <a:rPr lang="ko-KR" altLang="en-US" smtClean="0"/>
-              <a:t>2020-01-15</a:t>
+              <a:t>2020-01-14</a:t>
             </a:fld>
             <a:endParaRPr lang="ko-KR" altLang="en-US"/>
           </a:p>
@@ -7092,1327 +7089,6 @@
 </p:sld>
 </file>
 
-<file path=ppt/slides/slide5.xml><?xml version="1.0" encoding="utf-8"?>
-<p:sld xmlns:a="http://schemas.openxmlformats.org/drawingml/2006/main" xmlns:r="http://schemas.openxmlformats.org/officeDocument/2006/relationships" xmlns:p="http://schemas.openxmlformats.org/presentationml/2006/main">
-  <p:cSld>
-    <p:spTree>
-      <p:nvGrpSpPr>
-        <p:cNvPr id="1" name=""/>
-        <p:cNvGrpSpPr/>
-        <p:nvPr/>
-      </p:nvGrpSpPr>
-      <p:grpSpPr>
-        <a:xfrm>
-          <a:off x="0" y="0"/>
-          <a:ext cx="0" cy="0"/>
-          <a:chOff x="0" y="0"/>
-          <a:chExt cx="0" cy="0"/>
-        </a:xfrm>
-      </p:grpSpPr>
-      <p:sp>
-        <p:nvSpPr>
-          <p:cNvPr id="4" name="TextBox 3"/>
-          <p:cNvSpPr txBox="1"/>
-          <p:nvPr/>
-        </p:nvSpPr>
-        <p:spPr>
-          <a:xfrm>
-            <a:off x="696287" y="406945"/>
-            <a:ext cx="2389180" cy="646331"/>
-          </a:xfrm>
-          <a:prstGeom prst="rect">
-            <a:avLst/>
-          </a:prstGeom>
-          <a:noFill/>
-        </p:spPr>
-        <p:txBody>
-          <a:bodyPr wrap="none" rtlCol="0">
-            <a:spAutoFit/>
-          </a:bodyPr>
-          <a:lstStyle/>
-          <a:p>
-            <a:r>
-              <a:rPr lang="en-US" altLang="ko-KR" dirty="0" smtClean="0"/>
-              <a:t>flask </a:t>
-            </a:r>
-            <a:r>
-              <a:rPr lang="en-US" altLang="ko-KR" dirty="0" err="1" smtClean="0"/>
-              <a:t>wep</a:t>
-            </a:r>
-            <a:r>
-              <a:rPr lang="en-US" altLang="ko-KR" dirty="0" smtClean="0"/>
-              <a:t> application</a:t>
-            </a:r>
-          </a:p>
-          <a:p>
-            <a:r>
-              <a:rPr lang="ko-KR" altLang="en-US" dirty="0" err="1" smtClean="0"/>
-              <a:t>디렉토리</a:t>
-            </a:r>
-            <a:r>
-              <a:rPr lang="ko-KR" altLang="en-US" dirty="0" smtClean="0"/>
-              <a:t> 구조</a:t>
-            </a:r>
-            <a:endParaRPr lang="ko-KR" altLang="en-US" dirty="0"/>
-          </a:p>
-        </p:txBody>
-      </p:sp>
-      <p:sp>
-        <p:nvSpPr>
-          <p:cNvPr id="5" name="TextBox 4"/>
-          <p:cNvSpPr txBox="1"/>
-          <p:nvPr/>
-        </p:nvSpPr>
-        <p:spPr>
-          <a:xfrm>
-            <a:off x="3922241" y="406945"/>
-            <a:ext cx="4910319" cy="2677656"/>
-          </a:xfrm>
-          <a:prstGeom prst="rect">
-            <a:avLst/>
-          </a:prstGeom>
-          <a:noFill/>
-        </p:spPr>
-        <p:txBody>
-          <a:bodyPr wrap="none" rtlCol="0">
-            <a:spAutoFit/>
-          </a:bodyPr>
-          <a:lstStyle/>
-          <a:p>
-            <a:r>
-              <a:rPr lang="en-US" altLang="ko-KR" sz="2800" dirty="0" err="1" smtClean="0"/>
-              <a:t>sasa</a:t>
-            </a:r>
-            <a:r>
-              <a:rPr lang="en-US" altLang="ko-KR" sz="2800" dirty="0" smtClean="0"/>
-              <a:t> 	/ </a:t>
-            </a:r>
-            <a:r>
-              <a:rPr lang="en-US" altLang="ko-KR" sz="2800" dirty="0" err="1" smtClean="0"/>
-              <a:t>gcircuit</a:t>
-            </a:r>
-            <a:r>
-              <a:rPr lang="en-US" altLang="ko-KR" sz="2800" dirty="0" smtClean="0"/>
-              <a:t> </a:t>
-            </a:r>
-          </a:p>
-          <a:p>
-            <a:r>
-              <a:rPr lang="en-US" altLang="ko-KR" sz="2800" dirty="0"/>
-              <a:t>	</a:t>
-            </a:r>
-            <a:r>
-              <a:rPr lang="en-US" altLang="ko-KR" sz="2800" dirty="0" smtClean="0"/>
-              <a:t>	/ static</a:t>
-            </a:r>
-          </a:p>
-          <a:p>
-            <a:r>
-              <a:rPr lang="en-US" altLang="ko-KR" sz="2800" dirty="0"/>
-              <a:t>		/ templates</a:t>
-            </a:r>
-          </a:p>
-          <a:p>
-            <a:r>
-              <a:rPr lang="en-US" altLang="ko-KR" sz="2800" dirty="0"/>
-              <a:t>		</a:t>
-            </a:r>
-            <a:r>
-              <a:rPr lang="en-US" altLang="ko-KR" sz="2800" dirty="0" smtClean="0"/>
-              <a:t>	/ index.html</a:t>
-            </a:r>
-            <a:endParaRPr lang="en-US" altLang="ko-KR" sz="2800" dirty="0"/>
-          </a:p>
-          <a:p>
-            <a:r>
-              <a:rPr lang="en-US" altLang="ko-KR" sz="2800" dirty="0"/>
-              <a:t>	</a:t>
-            </a:r>
-            <a:r>
-              <a:rPr lang="en-US" altLang="ko-KR" sz="2800" dirty="0" smtClean="0"/>
-              <a:t>	/  __init__.py</a:t>
-            </a:r>
-          </a:p>
-          <a:p>
-            <a:r>
-              <a:rPr lang="en-US" altLang="ko-KR" sz="2800" dirty="0"/>
-              <a:t>	</a:t>
-            </a:r>
-            <a:r>
-              <a:rPr lang="en-US" altLang="ko-KR" sz="2800" dirty="0" smtClean="0"/>
-              <a:t>/ start_app.py</a:t>
-            </a:r>
-            <a:endParaRPr lang="ko-KR" altLang="en-US" sz="2800" dirty="0"/>
-          </a:p>
-        </p:txBody>
-      </p:sp>
-    </p:spTree>
-    <p:extLst>
-      <p:ext uri="{BB962C8B-B14F-4D97-AF65-F5344CB8AC3E}">
-        <p14:creationId xmlns:p14="http://schemas.microsoft.com/office/powerpoint/2010/main" val="4165778585"/>
-      </p:ext>
-    </p:extLst>
-  </p:cSld>
-  <p:clrMapOvr>
-    <a:masterClrMapping/>
-  </p:clrMapOvr>
-</p:sld>
-</file>
-
-<file path=ppt/slides/slide6.xml><?xml version="1.0" encoding="utf-8"?>
-<p:sld xmlns:a="http://schemas.openxmlformats.org/drawingml/2006/main" xmlns:r="http://schemas.openxmlformats.org/officeDocument/2006/relationships" xmlns:p="http://schemas.openxmlformats.org/presentationml/2006/main">
-  <p:cSld>
-    <p:spTree>
-      <p:nvGrpSpPr>
-        <p:cNvPr id="1" name=""/>
-        <p:cNvGrpSpPr/>
-        <p:nvPr/>
-      </p:nvGrpSpPr>
-      <p:grpSpPr>
-        <a:xfrm>
-          <a:off x="0" y="0"/>
-          <a:ext cx="0" cy="0"/>
-          <a:chOff x="0" y="0"/>
-          <a:chExt cx="0" cy="0"/>
-        </a:xfrm>
-      </p:grpSpPr>
-      <p:sp>
-        <p:nvSpPr>
-          <p:cNvPr id="8" name="직사각형 7"/>
-          <p:cNvSpPr/>
-          <p:nvPr/>
-        </p:nvSpPr>
-        <p:spPr>
-          <a:xfrm>
-            <a:off x="604618" y="646244"/>
-            <a:ext cx="1504966" cy="457200"/>
-          </a:xfrm>
-          <a:prstGeom prst="rect">
-            <a:avLst/>
-          </a:prstGeom>
-        </p:spPr>
-        <p:style>
-          <a:lnRef idx="2">
-            <a:schemeClr val="accent1">
-              <a:shade val="50000"/>
-            </a:schemeClr>
-          </a:lnRef>
-          <a:fillRef idx="1">
-            <a:schemeClr val="accent1"/>
-          </a:fillRef>
-          <a:effectRef idx="0">
-            <a:schemeClr val="accent1"/>
-          </a:effectRef>
-          <a:fontRef idx="minor">
-            <a:schemeClr val="lt1"/>
-          </a:fontRef>
-        </p:style>
-        <p:txBody>
-          <a:bodyPr rtlCol="0" anchor="ctr"/>
-          <a:lstStyle/>
-          <a:p>
-            <a:pPr algn="ctr"/>
-            <a:r>
-              <a:rPr lang="en-US" altLang="ko-KR" dirty="0" smtClean="0"/>
-              <a:t>name</a:t>
-            </a:r>
-            <a:endParaRPr lang="ko-KR" altLang="en-US" dirty="0"/>
-          </a:p>
-        </p:txBody>
-      </p:sp>
-      <p:sp>
-        <p:nvSpPr>
-          <p:cNvPr id="10" name="직사각형 9"/>
-          <p:cNvSpPr/>
-          <p:nvPr/>
-        </p:nvSpPr>
-        <p:spPr>
-          <a:xfrm>
-            <a:off x="604618" y="1131990"/>
-            <a:ext cx="1504966" cy="457200"/>
-          </a:xfrm>
-          <a:prstGeom prst="rect">
-            <a:avLst/>
-          </a:prstGeom>
-        </p:spPr>
-        <p:style>
-          <a:lnRef idx="2">
-            <a:schemeClr val="accent1">
-              <a:shade val="50000"/>
-            </a:schemeClr>
-          </a:lnRef>
-          <a:fillRef idx="1">
-            <a:schemeClr val="accent1"/>
-          </a:fillRef>
-          <a:effectRef idx="0">
-            <a:schemeClr val="accent1"/>
-          </a:effectRef>
-          <a:fontRef idx="minor">
-            <a:schemeClr val="lt1"/>
-          </a:fontRef>
-        </p:style>
-        <p:txBody>
-          <a:bodyPr rtlCol="0" anchor="ctr"/>
-          <a:lstStyle/>
-          <a:p>
-            <a:pPr algn="ctr"/>
-            <a:r>
-              <a:rPr lang="en-US" altLang="ko-KR" dirty="0" smtClean="0"/>
-              <a:t>type</a:t>
-            </a:r>
-            <a:endParaRPr lang="ko-KR" altLang="en-US"/>
-          </a:p>
-        </p:txBody>
-      </p:sp>
-      <p:sp>
-        <p:nvSpPr>
-          <p:cNvPr id="14" name="직사각형 13"/>
-          <p:cNvSpPr/>
-          <p:nvPr/>
-        </p:nvSpPr>
-        <p:spPr>
-          <a:xfrm>
-            <a:off x="777134" y="2247923"/>
-            <a:ext cx="1159933" cy="457200"/>
-          </a:xfrm>
-          <a:prstGeom prst="rect">
-            <a:avLst/>
-          </a:prstGeom>
-          <a:solidFill>
-            <a:srgbClr val="FF0000"/>
-          </a:solidFill>
-        </p:spPr>
-        <p:style>
-          <a:lnRef idx="2">
-            <a:schemeClr val="accent1">
-              <a:shade val="50000"/>
-            </a:schemeClr>
-          </a:lnRef>
-          <a:fillRef idx="1">
-            <a:schemeClr val="accent1"/>
-          </a:fillRef>
-          <a:effectRef idx="0">
-            <a:schemeClr val="accent1"/>
-          </a:effectRef>
-          <a:fontRef idx="minor">
-            <a:schemeClr val="lt1"/>
-          </a:fontRef>
-        </p:style>
-        <p:txBody>
-          <a:bodyPr rtlCol="0" anchor="ctr"/>
-          <a:lstStyle/>
-          <a:p>
-            <a:pPr algn="ctr"/>
-            <a:r>
-              <a:rPr lang="en-US" altLang="ko-KR" dirty="0" smtClean="0"/>
-              <a:t>submit</a:t>
-            </a:r>
-            <a:endParaRPr lang="ko-KR" altLang="en-US"/>
-          </a:p>
-        </p:txBody>
-      </p:sp>
-      <p:sp>
-        <p:nvSpPr>
-          <p:cNvPr id="15" name="자유형 14"/>
-          <p:cNvSpPr/>
-          <p:nvPr/>
-        </p:nvSpPr>
-        <p:spPr>
-          <a:xfrm>
-            <a:off x="6081162" y="4279999"/>
-            <a:ext cx="4809066" cy="1622263"/>
-          </a:xfrm>
-          <a:custGeom>
-            <a:avLst/>
-            <a:gdLst>
-              <a:gd name="connsiteX0" fmla="*/ 0 w 4809066"/>
-              <a:gd name="connsiteY0" fmla="*/ 614284 h 1622263"/>
-              <a:gd name="connsiteX1" fmla="*/ 533400 w 4809066"/>
-              <a:gd name="connsiteY1" fmla="*/ 4684 h 1622263"/>
-              <a:gd name="connsiteX2" fmla="*/ 846666 w 4809066"/>
-              <a:gd name="connsiteY2" fmla="*/ 902151 h 1622263"/>
-              <a:gd name="connsiteX3" fmla="*/ 1811866 w 4809066"/>
-              <a:gd name="connsiteY3" fmla="*/ 444951 h 1622263"/>
-              <a:gd name="connsiteX4" fmla="*/ 2760133 w 4809066"/>
-              <a:gd name="connsiteY4" fmla="*/ 1003751 h 1622263"/>
-              <a:gd name="connsiteX5" fmla="*/ 3945466 w 4809066"/>
-              <a:gd name="connsiteY5" fmla="*/ 504218 h 1622263"/>
-              <a:gd name="connsiteX6" fmla="*/ 4470400 w 4809066"/>
-              <a:gd name="connsiteY6" fmla="*/ 1596418 h 1622263"/>
-              <a:gd name="connsiteX7" fmla="*/ 4809066 w 4809066"/>
-              <a:gd name="connsiteY7" fmla="*/ 1266218 h 1622263"/>
-            </a:gdLst>
-            <a:ahLst/>
-            <a:cxnLst>
-              <a:cxn ang="0">
-                <a:pos x="connsiteX0" y="connsiteY0"/>
-              </a:cxn>
-              <a:cxn ang="0">
-                <a:pos x="connsiteX1" y="connsiteY1"/>
-              </a:cxn>
-              <a:cxn ang="0">
-                <a:pos x="connsiteX2" y="connsiteY2"/>
-              </a:cxn>
-              <a:cxn ang="0">
-                <a:pos x="connsiteX3" y="connsiteY3"/>
-              </a:cxn>
-              <a:cxn ang="0">
-                <a:pos x="connsiteX4" y="connsiteY4"/>
-              </a:cxn>
-              <a:cxn ang="0">
-                <a:pos x="connsiteX5" y="connsiteY5"/>
-              </a:cxn>
-              <a:cxn ang="0">
-                <a:pos x="connsiteX6" y="connsiteY6"/>
-              </a:cxn>
-              <a:cxn ang="0">
-                <a:pos x="connsiteX7" y="connsiteY7"/>
-              </a:cxn>
-            </a:cxnLst>
-            <a:rect l="l" t="t" r="r" b="b"/>
-            <a:pathLst>
-              <a:path w="4809066" h="1622263">
-                <a:moveTo>
-                  <a:pt x="0" y="614284"/>
-                </a:moveTo>
-                <a:cubicBezTo>
-                  <a:pt x="196144" y="285495"/>
-                  <a:pt x="392289" y="-43294"/>
-                  <a:pt x="533400" y="4684"/>
-                </a:cubicBezTo>
-                <a:cubicBezTo>
-                  <a:pt x="674511" y="52662"/>
-                  <a:pt x="633588" y="828773"/>
-                  <a:pt x="846666" y="902151"/>
-                </a:cubicBezTo>
-                <a:cubicBezTo>
-                  <a:pt x="1059744" y="975529"/>
-                  <a:pt x="1492955" y="428018"/>
-                  <a:pt x="1811866" y="444951"/>
-                </a:cubicBezTo>
-                <a:cubicBezTo>
-                  <a:pt x="2130777" y="461884"/>
-                  <a:pt x="2404533" y="993873"/>
-                  <a:pt x="2760133" y="1003751"/>
-                </a:cubicBezTo>
-                <a:cubicBezTo>
-                  <a:pt x="3115733" y="1013629"/>
-                  <a:pt x="3660422" y="405440"/>
-                  <a:pt x="3945466" y="504218"/>
-                </a:cubicBezTo>
-                <a:cubicBezTo>
-                  <a:pt x="4230511" y="602996"/>
-                  <a:pt x="4326467" y="1469418"/>
-                  <a:pt x="4470400" y="1596418"/>
-                </a:cubicBezTo>
-                <a:cubicBezTo>
-                  <a:pt x="4614333" y="1723418"/>
-                  <a:pt x="4746977" y="1345240"/>
-                  <a:pt x="4809066" y="1266218"/>
-                </a:cubicBezTo>
-              </a:path>
-            </a:pathLst>
-          </a:custGeom>
-          <a:noFill/>
-        </p:spPr>
-        <p:style>
-          <a:lnRef idx="2">
-            <a:schemeClr val="accent1">
-              <a:shade val="50000"/>
-            </a:schemeClr>
-          </a:lnRef>
-          <a:fillRef idx="1">
-            <a:schemeClr val="accent1"/>
-          </a:fillRef>
-          <a:effectRef idx="0">
-            <a:schemeClr val="accent1"/>
-          </a:effectRef>
-          <a:fontRef idx="minor">
-            <a:schemeClr val="lt1"/>
-          </a:fontRef>
-        </p:style>
-        <p:txBody>
-          <a:bodyPr rtlCol="0" anchor="ctr"/>
-          <a:lstStyle/>
-          <a:p>
-            <a:pPr algn="ctr"/>
-            <a:endParaRPr lang="ko-KR" altLang="en-US"/>
-          </a:p>
-        </p:txBody>
-      </p:sp>
-      <p:sp>
-        <p:nvSpPr>
-          <p:cNvPr id="17" name="오른쪽 화살표 16"/>
-          <p:cNvSpPr/>
-          <p:nvPr/>
-        </p:nvSpPr>
-        <p:spPr>
-          <a:xfrm rot="10800000">
-            <a:off x="7387116" y="1021521"/>
-            <a:ext cx="1456266" cy="753534"/>
-          </a:xfrm>
-          <a:prstGeom prst="rightArrow">
-            <a:avLst/>
-          </a:prstGeom>
-        </p:spPr>
-        <p:style>
-          <a:lnRef idx="2">
-            <a:schemeClr val="accent1">
-              <a:shade val="50000"/>
-            </a:schemeClr>
-          </a:lnRef>
-          <a:fillRef idx="1">
-            <a:schemeClr val="accent1"/>
-          </a:fillRef>
-          <a:effectRef idx="0">
-            <a:schemeClr val="accent1"/>
-          </a:effectRef>
-          <a:fontRef idx="minor">
-            <a:schemeClr val="lt1"/>
-          </a:fontRef>
-        </p:style>
-        <p:txBody>
-          <a:bodyPr rtlCol="0" anchor="ctr"/>
-          <a:lstStyle/>
-          <a:p>
-            <a:pPr algn="ctr"/>
-            <a:endParaRPr lang="ko-KR" altLang="en-US"/>
-          </a:p>
-        </p:txBody>
-      </p:sp>
-      <p:cxnSp>
-        <p:nvCxnSpPr>
-          <p:cNvPr id="19" name="직선 연결선 18"/>
-          <p:cNvCxnSpPr/>
-          <p:nvPr/>
-        </p:nvCxnSpPr>
-        <p:spPr>
-          <a:xfrm>
-            <a:off x="6819849" y="1398288"/>
-            <a:ext cx="3582884" cy="8051"/>
-          </a:xfrm>
-          <a:prstGeom prst="line">
-            <a:avLst/>
-          </a:prstGeom>
-        </p:spPr>
-        <p:style>
-          <a:lnRef idx="1">
-            <a:schemeClr val="accent1"/>
-          </a:lnRef>
-          <a:fillRef idx="0">
-            <a:schemeClr val="accent1"/>
-          </a:fillRef>
-          <a:effectRef idx="0">
-            <a:schemeClr val="accent1"/>
-          </a:effectRef>
-          <a:fontRef idx="minor">
-            <a:schemeClr val="tx1"/>
-          </a:fontRef>
-        </p:style>
-      </p:cxnSp>
-      <p:cxnSp>
-        <p:nvCxnSpPr>
-          <p:cNvPr id="21" name="직선 화살표 연결선 20"/>
-          <p:cNvCxnSpPr/>
-          <p:nvPr/>
-        </p:nvCxnSpPr>
-        <p:spPr>
-          <a:xfrm flipH="1">
-            <a:off x="9061082" y="901371"/>
-            <a:ext cx="372533" cy="0"/>
-          </a:xfrm>
-          <a:prstGeom prst="straightConnector1">
-            <a:avLst/>
-          </a:prstGeom>
-          <a:ln>
-            <a:tailEnd type="triangle"/>
-          </a:ln>
-        </p:spPr>
-        <p:style>
-          <a:lnRef idx="1">
-            <a:schemeClr val="accent1"/>
-          </a:lnRef>
-          <a:fillRef idx="0">
-            <a:schemeClr val="accent1"/>
-          </a:fillRef>
-          <a:effectRef idx="0">
-            <a:schemeClr val="accent1"/>
-          </a:effectRef>
-          <a:fontRef idx="minor">
-            <a:schemeClr val="tx1"/>
-          </a:fontRef>
-        </p:style>
-      </p:cxnSp>
-      <p:cxnSp>
-        <p:nvCxnSpPr>
-          <p:cNvPr id="23" name="직선 연결선 22"/>
-          <p:cNvCxnSpPr/>
-          <p:nvPr/>
-        </p:nvCxnSpPr>
-        <p:spPr>
-          <a:xfrm>
-            <a:off x="9433615" y="901371"/>
-            <a:ext cx="16933" cy="486835"/>
-          </a:xfrm>
-          <a:prstGeom prst="line">
-            <a:avLst/>
-          </a:prstGeom>
-        </p:spPr>
-        <p:style>
-          <a:lnRef idx="1">
-            <a:schemeClr val="accent1"/>
-          </a:lnRef>
-          <a:fillRef idx="0">
-            <a:schemeClr val="accent1"/>
-          </a:fillRef>
-          <a:effectRef idx="0">
-            <a:schemeClr val="accent1"/>
-          </a:effectRef>
-          <a:fontRef idx="minor">
-            <a:schemeClr val="tx1"/>
-          </a:fontRef>
-        </p:style>
-      </p:cxnSp>
-      <p:cxnSp>
-        <p:nvCxnSpPr>
-          <p:cNvPr id="25" name="직선 연결선 24"/>
-          <p:cNvCxnSpPr/>
-          <p:nvPr/>
-        </p:nvCxnSpPr>
-        <p:spPr>
-          <a:xfrm flipV="1">
-            <a:off x="7130534" y="1038288"/>
-            <a:ext cx="0" cy="360000"/>
-          </a:xfrm>
-          <a:prstGeom prst="line">
-            <a:avLst/>
-          </a:prstGeom>
-        </p:spPr>
-        <p:style>
-          <a:lnRef idx="1">
-            <a:schemeClr val="accent1"/>
-          </a:lnRef>
-          <a:fillRef idx="0">
-            <a:schemeClr val="accent1"/>
-          </a:fillRef>
-          <a:effectRef idx="0">
-            <a:schemeClr val="accent1"/>
-          </a:effectRef>
-          <a:fontRef idx="minor">
-            <a:schemeClr val="tx1"/>
-          </a:fontRef>
-        </p:style>
-      </p:cxnSp>
-      <p:cxnSp>
-        <p:nvCxnSpPr>
-          <p:cNvPr id="27" name="직선 연결선 26"/>
-          <p:cNvCxnSpPr/>
-          <p:nvPr/>
-        </p:nvCxnSpPr>
-        <p:spPr>
-          <a:xfrm>
-            <a:off x="6978134" y="1038288"/>
-            <a:ext cx="372533" cy="0"/>
-          </a:xfrm>
-          <a:prstGeom prst="line">
-            <a:avLst/>
-          </a:prstGeom>
-        </p:spPr>
-        <p:style>
-          <a:lnRef idx="1">
-            <a:schemeClr val="accent1"/>
-          </a:lnRef>
-          <a:fillRef idx="0">
-            <a:schemeClr val="accent1"/>
-          </a:fillRef>
-          <a:effectRef idx="0">
-            <a:schemeClr val="accent1"/>
-          </a:effectRef>
-          <a:fontRef idx="minor">
-            <a:schemeClr val="tx1"/>
-          </a:fontRef>
-        </p:style>
-      </p:cxnSp>
-      <p:sp>
-        <p:nvSpPr>
-          <p:cNvPr id="32" name="타원 31"/>
-          <p:cNvSpPr/>
-          <p:nvPr/>
-        </p:nvSpPr>
-        <p:spPr>
-          <a:xfrm>
-            <a:off x="8994565" y="1273405"/>
-            <a:ext cx="287866" cy="249766"/>
-          </a:xfrm>
-          <a:prstGeom prst="ellipse">
-            <a:avLst/>
-          </a:prstGeom>
-        </p:spPr>
-        <p:style>
-          <a:lnRef idx="2">
-            <a:schemeClr val="accent1">
-              <a:shade val="50000"/>
-            </a:schemeClr>
-          </a:lnRef>
-          <a:fillRef idx="1">
-            <a:schemeClr val="accent1"/>
-          </a:fillRef>
-          <a:effectRef idx="0">
-            <a:schemeClr val="accent1"/>
-          </a:effectRef>
-          <a:fontRef idx="minor">
-            <a:schemeClr val="lt1"/>
-          </a:fontRef>
-        </p:style>
-        <p:txBody>
-          <a:bodyPr rtlCol="0" anchor="ctr"/>
-          <a:lstStyle/>
-          <a:p>
-            <a:pPr algn="ctr"/>
-            <a:endParaRPr lang="ko-KR" altLang="en-US"/>
-          </a:p>
-        </p:txBody>
-      </p:sp>
-      <p:sp>
-        <p:nvSpPr>
-          <p:cNvPr id="3" name="TextBox 2"/>
-          <p:cNvSpPr txBox="1"/>
-          <p:nvPr/>
-        </p:nvSpPr>
-        <p:spPr>
-          <a:xfrm>
-            <a:off x="9237564" y="1523171"/>
-            <a:ext cx="1107996" cy="646331"/>
-          </a:xfrm>
-          <a:prstGeom prst="rect">
-            <a:avLst/>
-          </a:prstGeom>
-          <a:noFill/>
-        </p:spPr>
-        <p:txBody>
-          <a:bodyPr wrap="none" rtlCol="0">
-            <a:spAutoFit/>
-          </a:bodyPr>
-          <a:lstStyle/>
-          <a:p>
-            <a:r>
-              <a:rPr lang="ko-KR" altLang="en-US" dirty="0" smtClean="0"/>
-              <a:t>프로모터</a:t>
-            </a:r>
-            <a:endParaRPr lang="en-US" altLang="ko-KR" dirty="0" smtClean="0"/>
-          </a:p>
-          <a:p>
-            <a:r>
-              <a:rPr lang="ko-KR" altLang="en-US" dirty="0" err="1" smtClean="0"/>
-              <a:t>항시발현</a:t>
-            </a:r>
-            <a:endParaRPr lang="ko-KR" altLang="en-US" dirty="0"/>
-          </a:p>
-        </p:txBody>
-      </p:sp>
-      <p:sp>
-        <p:nvSpPr>
-          <p:cNvPr id="40" name="TextBox 39"/>
-          <p:cNvSpPr txBox="1"/>
-          <p:nvPr/>
-        </p:nvSpPr>
-        <p:spPr>
-          <a:xfrm>
-            <a:off x="7792751" y="1563939"/>
-            <a:ext cx="1526315" cy="923330"/>
-          </a:xfrm>
-          <a:prstGeom prst="rect">
-            <a:avLst/>
-          </a:prstGeom>
-          <a:noFill/>
-        </p:spPr>
-        <p:txBody>
-          <a:bodyPr wrap="none" rtlCol="0">
-            <a:spAutoFit/>
-          </a:bodyPr>
-          <a:lstStyle/>
-          <a:p>
-            <a:r>
-              <a:rPr lang="en-US" altLang="ko-KR" dirty="0" smtClean="0"/>
-              <a:t>Green </a:t>
-            </a:r>
-          </a:p>
-          <a:p>
-            <a:r>
-              <a:rPr lang="en-US" altLang="ko-KR" dirty="0" smtClean="0"/>
-              <a:t>Fluorescence</a:t>
-            </a:r>
-          </a:p>
-          <a:p>
-            <a:r>
-              <a:rPr lang="en-US" altLang="ko-KR" dirty="0" smtClean="0"/>
-              <a:t>Protein</a:t>
-            </a:r>
-            <a:endParaRPr lang="ko-KR" altLang="en-US" dirty="0"/>
-          </a:p>
-        </p:txBody>
-      </p:sp>
-      <p:sp>
-        <p:nvSpPr>
-          <p:cNvPr id="18" name="모서리가 둥근 직사각형 17"/>
-          <p:cNvSpPr/>
-          <p:nvPr/>
-        </p:nvSpPr>
-        <p:spPr>
-          <a:xfrm>
-            <a:off x="6287678" y="593964"/>
-            <a:ext cx="4498855" cy="1825069"/>
-          </a:xfrm>
-          <a:prstGeom prst="roundRect">
-            <a:avLst/>
-          </a:prstGeom>
-          <a:noFill/>
-          <a:ln>
-            <a:solidFill>
-              <a:schemeClr val="tx1"/>
-            </a:solidFill>
-          </a:ln>
-        </p:spPr>
-        <p:style>
-          <a:lnRef idx="2">
-            <a:schemeClr val="accent1">
-              <a:shade val="50000"/>
-            </a:schemeClr>
-          </a:lnRef>
-          <a:fillRef idx="1">
-            <a:schemeClr val="accent1"/>
-          </a:fillRef>
-          <a:effectRef idx="0">
-            <a:schemeClr val="accent1"/>
-          </a:effectRef>
-          <a:fontRef idx="minor">
-            <a:schemeClr val="lt1"/>
-          </a:fontRef>
-        </p:style>
-        <p:txBody>
-          <a:bodyPr rtlCol="0" anchor="ctr"/>
-          <a:lstStyle/>
-          <a:p>
-            <a:pPr algn="ctr"/>
-            <a:endParaRPr lang="ko-KR" altLang="en-US"/>
-          </a:p>
-        </p:txBody>
-      </p:sp>
-      <p:sp>
-        <p:nvSpPr>
-          <p:cNvPr id="41" name="TextBox 40"/>
-          <p:cNvSpPr txBox="1"/>
-          <p:nvPr/>
-        </p:nvSpPr>
-        <p:spPr>
-          <a:xfrm>
-            <a:off x="6304147" y="252665"/>
-            <a:ext cx="646331" cy="369332"/>
-          </a:xfrm>
-          <a:prstGeom prst="rect">
-            <a:avLst/>
-          </a:prstGeom>
-          <a:noFill/>
-        </p:spPr>
-        <p:txBody>
-          <a:bodyPr wrap="none" rtlCol="0">
-            <a:spAutoFit/>
-          </a:bodyPr>
-          <a:lstStyle/>
-          <a:p>
-            <a:r>
-              <a:rPr lang="ko-KR" altLang="en-US" dirty="0" smtClean="0"/>
-              <a:t>세포</a:t>
-            </a:r>
-            <a:endParaRPr lang="ko-KR" altLang="en-US" dirty="0"/>
-          </a:p>
-        </p:txBody>
-      </p:sp>
-      <p:cxnSp>
-        <p:nvCxnSpPr>
-          <p:cNvPr id="22" name="직선 화살표 연결선 21"/>
-          <p:cNvCxnSpPr/>
-          <p:nvPr/>
-        </p:nvCxnSpPr>
-        <p:spPr>
-          <a:xfrm>
-            <a:off x="5927075" y="6097310"/>
-            <a:ext cx="5130566" cy="0"/>
-          </a:xfrm>
-          <a:prstGeom prst="straightConnector1">
-            <a:avLst/>
-          </a:prstGeom>
-          <a:ln>
-            <a:tailEnd type="triangle"/>
-          </a:ln>
-        </p:spPr>
-        <p:style>
-          <a:lnRef idx="1">
-            <a:schemeClr val="accent1"/>
-          </a:lnRef>
-          <a:fillRef idx="0">
-            <a:schemeClr val="accent1"/>
-          </a:fillRef>
-          <a:effectRef idx="0">
-            <a:schemeClr val="accent1"/>
-          </a:effectRef>
-          <a:fontRef idx="minor">
-            <a:schemeClr val="tx1"/>
-          </a:fontRef>
-        </p:style>
-      </p:cxnSp>
-      <p:cxnSp>
-        <p:nvCxnSpPr>
-          <p:cNvPr id="42" name="직선 화살표 연결선 41"/>
-          <p:cNvCxnSpPr/>
-          <p:nvPr/>
-        </p:nvCxnSpPr>
-        <p:spPr>
-          <a:xfrm flipH="1" flipV="1">
-            <a:off x="5927075" y="3924396"/>
-            <a:ext cx="0" cy="2176353"/>
-          </a:xfrm>
-          <a:prstGeom prst="straightConnector1">
-            <a:avLst/>
-          </a:prstGeom>
-          <a:ln>
-            <a:tailEnd type="triangle"/>
-          </a:ln>
-        </p:spPr>
-        <p:style>
-          <a:lnRef idx="1">
-            <a:schemeClr val="accent1"/>
-          </a:lnRef>
-          <a:fillRef idx="0">
-            <a:schemeClr val="accent1"/>
-          </a:fillRef>
-          <a:effectRef idx="0">
-            <a:schemeClr val="accent1"/>
-          </a:effectRef>
-          <a:fontRef idx="minor">
-            <a:schemeClr val="tx1"/>
-          </a:fontRef>
-        </p:style>
-      </p:cxnSp>
-      <p:sp>
-        <p:nvSpPr>
-          <p:cNvPr id="43" name="TextBox 42"/>
-          <p:cNvSpPr txBox="1"/>
-          <p:nvPr/>
-        </p:nvSpPr>
-        <p:spPr>
-          <a:xfrm>
-            <a:off x="5288045" y="4628730"/>
-            <a:ext cx="603050" cy="369332"/>
-          </a:xfrm>
-          <a:prstGeom prst="rect">
-            <a:avLst/>
-          </a:prstGeom>
-          <a:noFill/>
-        </p:spPr>
-        <p:txBody>
-          <a:bodyPr wrap="none" rtlCol="0">
-            <a:spAutoFit/>
-          </a:bodyPr>
-          <a:lstStyle/>
-          <a:p>
-            <a:r>
-              <a:rPr lang="en-US" altLang="ko-KR" dirty="0" smtClean="0"/>
-              <a:t>RFU</a:t>
-            </a:r>
-            <a:endParaRPr lang="ko-KR" altLang="en-US" dirty="0"/>
-          </a:p>
-        </p:txBody>
-      </p:sp>
-      <p:sp>
-        <p:nvSpPr>
-          <p:cNvPr id="44" name="TextBox 43"/>
-          <p:cNvSpPr txBox="1"/>
-          <p:nvPr/>
-        </p:nvSpPr>
-        <p:spPr>
-          <a:xfrm>
-            <a:off x="7792751" y="6292359"/>
-            <a:ext cx="647934" cy="369332"/>
-          </a:xfrm>
-          <a:prstGeom prst="rect">
-            <a:avLst/>
-          </a:prstGeom>
-          <a:noFill/>
-        </p:spPr>
-        <p:txBody>
-          <a:bodyPr wrap="none" rtlCol="0">
-            <a:spAutoFit/>
-          </a:bodyPr>
-          <a:lstStyle/>
-          <a:p>
-            <a:r>
-              <a:rPr lang="en-US" altLang="ko-KR" dirty="0" smtClean="0"/>
-              <a:t>time</a:t>
-            </a:r>
-            <a:endParaRPr lang="ko-KR" altLang="en-US" dirty="0"/>
-          </a:p>
-        </p:txBody>
-      </p:sp>
-      <p:sp>
-        <p:nvSpPr>
-          <p:cNvPr id="30" name="아래쪽 화살표 29"/>
-          <p:cNvSpPr/>
-          <p:nvPr/>
-        </p:nvSpPr>
-        <p:spPr>
-          <a:xfrm>
-            <a:off x="8248454" y="2771480"/>
-            <a:ext cx="499620" cy="1381516"/>
-          </a:xfrm>
-          <a:prstGeom prst="downArrow">
-            <a:avLst/>
-          </a:prstGeom>
-        </p:spPr>
-        <p:style>
-          <a:lnRef idx="2">
-            <a:schemeClr val="accent1">
-              <a:shade val="50000"/>
-            </a:schemeClr>
-          </a:lnRef>
-          <a:fillRef idx="1">
-            <a:schemeClr val="accent1"/>
-          </a:fillRef>
-          <a:effectRef idx="0">
-            <a:schemeClr val="accent1"/>
-          </a:effectRef>
-          <a:fontRef idx="minor">
-            <a:schemeClr val="lt1"/>
-          </a:fontRef>
-        </p:style>
-        <p:txBody>
-          <a:bodyPr rtlCol="0" anchor="ctr"/>
-          <a:lstStyle/>
-          <a:p>
-            <a:pPr algn="ctr"/>
-            <a:endParaRPr lang="ko-KR" altLang="en-US"/>
-          </a:p>
-        </p:txBody>
-      </p:sp>
-      <p:sp>
-        <p:nvSpPr>
-          <p:cNvPr id="45" name="TextBox 44"/>
-          <p:cNvSpPr txBox="1"/>
-          <p:nvPr/>
-        </p:nvSpPr>
-        <p:spPr>
-          <a:xfrm>
-            <a:off x="8914398" y="3199471"/>
-            <a:ext cx="1338828" cy="369332"/>
-          </a:xfrm>
-          <a:prstGeom prst="rect">
-            <a:avLst/>
-          </a:prstGeom>
-          <a:noFill/>
-        </p:spPr>
-        <p:txBody>
-          <a:bodyPr wrap="none" rtlCol="0">
-            <a:spAutoFit/>
-          </a:bodyPr>
-          <a:lstStyle/>
-          <a:p>
-            <a:r>
-              <a:rPr lang="ko-KR" altLang="en-US" dirty="0" smtClean="0"/>
-              <a:t>시뮬레이션</a:t>
-            </a:r>
-            <a:endParaRPr lang="ko-KR" altLang="en-US" dirty="0"/>
-          </a:p>
-        </p:txBody>
-      </p:sp>
-      <p:sp>
-        <p:nvSpPr>
-          <p:cNvPr id="46" name="TextBox 45"/>
-          <p:cNvSpPr txBox="1"/>
-          <p:nvPr/>
-        </p:nvSpPr>
-        <p:spPr>
-          <a:xfrm>
-            <a:off x="8914398" y="2854025"/>
-            <a:ext cx="1189749" cy="369332"/>
-          </a:xfrm>
-          <a:prstGeom prst="rect">
-            <a:avLst/>
-          </a:prstGeom>
-          <a:noFill/>
-        </p:spPr>
-        <p:txBody>
-          <a:bodyPr wrap="none" rtlCol="0">
-            <a:spAutoFit/>
-          </a:bodyPr>
-          <a:lstStyle/>
-          <a:p>
-            <a:r>
-              <a:rPr lang="ko-KR" altLang="en-US" dirty="0" smtClean="0"/>
-              <a:t>수학 모형</a:t>
-            </a:r>
-            <a:endParaRPr lang="ko-KR" altLang="en-US" dirty="0"/>
-          </a:p>
-        </p:txBody>
-      </p:sp>
-      <p:graphicFrame>
-        <p:nvGraphicFramePr>
-          <p:cNvPr id="4" name="표 3"/>
-          <p:cNvGraphicFramePr>
-            <a:graphicFrameLocks noGrp="1"/>
-          </p:cNvGraphicFramePr>
-          <p:nvPr>
-            <p:extLst>
-              <p:ext uri="{D42A27DB-BD31-4B8C-83A1-F6EECF244321}">
-                <p14:modId xmlns:p14="http://schemas.microsoft.com/office/powerpoint/2010/main" val="3030598820"/>
-              </p:ext>
-            </p:extLst>
-          </p:nvPr>
-        </p:nvGraphicFramePr>
-        <p:xfrm>
-          <a:off x="313245" y="3174962"/>
-          <a:ext cx="2087712" cy="1861303"/>
-        </p:xfrm>
-        <a:graphic>
-          <a:graphicData uri="http://schemas.openxmlformats.org/drawingml/2006/table">
-            <a:tbl>
-              <a:tblPr firstRow="1" bandRow="1">
-                <a:tableStyleId>{5C22544A-7EE6-4342-B048-85BDC9FD1C3A}</a:tableStyleId>
-              </a:tblPr>
-              <a:tblGrid>
-                <a:gridCol w="2087712"/>
-              </a:tblGrid>
-              <a:tr h="377943">
-                <a:tc>
-                  <a:txBody>
-                    <a:bodyPr/>
-                    <a:lstStyle/>
-                    <a:p>
-                      <a:pPr latinLnBrk="1"/>
-                      <a:r>
-                        <a:rPr lang="en-US" altLang="ko-KR" dirty="0" smtClean="0"/>
-                        <a:t>Part</a:t>
-                      </a:r>
-                      <a:r>
-                        <a:rPr lang="en-US" altLang="ko-KR" baseline="0" dirty="0" smtClean="0"/>
-                        <a:t> list</a:t>
-                      </a:r>
-                      <a:endParaRPr lang="ko-KR" altLang="en-US" dirty="0"/>
-                    </a:p>
-                  </a:txBody>
-                  <a:tcPr/>
-                </a:tc>
-              </a:tr>
-              <a:tr h="370840">
-                <a:tc>
-                  <a:txBody>
-                    <a:bodyPr/>
-                    <a:lstStyle/>
-                    <a:p>
-                      <a:pPr latinLnBrk="1"/>
-                      <a:r>
-                        <a:rPr lang="en-US" altLang="ko-KR" dirty="0" smtClean="0"/>
-                        <a:t>~~~</a:t>
-                      </a:r>
-                      <a:endParaRPr lang="ko-KR" altLang="en-US"/>
-                    </a:p>
-                  </a:txBody>
-                  <a:tcPr/>
-                </a:tc>
-              </a:tr>
-              <a:tr h="370840">
-                <a:tc>
-                  <a:txBody>
-                    <a:bodyPr/>
-                    <a:lstStyle/>
-                    <a:p>
-                      <a:pPr latinLnBrk="1"/>
-                      <a:r>
-                        <a:rPr lang="en-US" altLang="ko-KR" dirty="0" smtClean="0"/>
-                        <a:t>~~</a:t>
-                      </a:r>
-                      <a:endParaRPr lang="ko-KR" altLang="en-US"/>
-                    </a:p>
-                  </a:txBody>
-                  <a:tcPr/>
-                </a:tc>
-              </a:tr>
-              <a:tr h="370840">
-                <a:tc>
-                  <a:txBody>
-                    <a:bodyPr/>
-                    <a:lstStyle/>
-                    <a:p>
-                      <a:pPr latinLnBrk="1"/>
-                      <a:r>
-                        <a:rPr lang="en-US" altLang="ko-KR" dirty="0" smtClean="0"/>
-                        <a:t>~~</a:t>
-                      </a:r>
-                      <a:endParaRPr lang="ko-KR" altLang="en-US"/>
-                    </a:p>
-                  </a:txBody>
-                  <a:tcPr/>
-                </a:tc>
-              </a:tr>
-              <a:tr h="370840">
-                <a:tc>
-                  <a:txBody>
-                    <a:bodyPr/>
-                    <a:lstStyle/>
-                    <a:p>
-                      <a:pPr latinLnBrk="1"/>
-                      <a:endParaRPr lang="ko-KR" altLang="en-US" dirty="0"/>
-                    </a:p>
-                  </a:txBody>
-                  <a:tcPr/>
-                </a:tc>
-              </a:tr>
-            </a:tbl>
-          </a:graphicData>
-        </a:graphic>
-      </p:graphicFrame>
-      <p:sp>
-        <p:nvSpPr>
-          <p:cNvPr id="29" name="직사각형 28"/>
-          <p:cNvSpPr/>
-          <p:nvPr/>
-        </p:nvSpPr>
-        <p:spPr>
-          <a:xfrm>
-            <a:off x="641668" y="179306"/>
-            <a:ext cx="1159933" cy="457200"/>
-          </a:xfrm>
-          <a:prstGeom prst="rect">
-            <a:avLst/>
-          </a:prstGeom>
-          <a:noFill/>
-          <a:ln>
-            <a:noFill/>
-          </a:ln>
-        </p:spPr>
-        <p:style>
-          <a:lnRef idx="2">
-            <a:schemeClr val="accent1">
-              <a:shade val="50000"/>
-            </a:schemeClr>
-          </a:lnRef>
-          <a:fillRef idx="1">
-            <a:schemeClr val="accent1"/>
-          </a:fillRef>
-          <a:effectRef idx="0">
-            <a:schemeClr val="accent1"/>
-          </a:effectRef>
-          <a:fontRef idx="minor">
-            <a:schemeClr val="lt1"/>
-          </a:fontRef>
-        </p:style>
-        <p:txBody>
-          <a:bodyPr rtlCol="0" anchor="ctr"/>
-          <a:lstStyle/>
-          <a:p>
-            <a:pPr algn="ctr"/>
-            <a:r>
-              <a:rPr lang="en-US" altLang="ko-KR" dirty="0" smtClean="0">
-                <a:solidFill>
-                  <a:schemeClr val="tx1"/>
-                </a:solidFill>
-              </a:rPr>
-              <a:t>Parts</a:t>
-            </a:r>
-            <a:endParaRPr lang="ko-KR" altLang="en-US" dirty="0">
-              <a:solidFill>
-                <a:schemeClr val="tx1"/>
-              </a:solidFill>
-            </a:endParaRPr>
-          </a:p>
-        </p:txBody>
-      </p:sp>
-      <p:sp>
-        <p:nvSpPr>
-          <p:cNvPr id="31" name="직사각형 30"/>
-          <p:cNvSpPr/>
-          <p:nvPr/>
-        </p:nvSpPr>
-        <p:spPr>
-          <a:xfrm>
-            <a:off x="604618" y="1617736"/>
-            <a:ext cx="1504966" cy="457200"/>
-          </a:xfrm>
-          <a:prstGeom prst="rect">
-            <a:avLst/>
-          </a:prstGeom>
-        </p:spPr>
-        <p:style>
-          <a:lnRef idx="2">
-            <a:schemeClr val="accent1">
-              <a:shade val="50000"/>
-            </a:schemeClr>
-          </a:lnRef>
-          <a:fillRef idx="1">
-            <a:schemeClr val="accent1"/>
-          </a:fillRef>
-          <a:effectRef idx="0">
-            <a:schemeClr val="accent1"/>
-          </a:effectRef>
-          <a:fontRef idx="minor">
-            <a:schemeClr val="lt1"/>
-          </a:fontRef>
-        </p:style>
-        <p:txBody>
-          <a:bodyPr rtlCol="0" anchor="ctr"/>
-          <a:lstStyle/>
-          <a:p>
-            <a:pPr algn="ctr"/>
-            <a:r>
-              <a:rPr lang="en-US" altLang="ko-KR" dirty="0" smtClean="0"/>
-              <a:t>sequence</a:t>
-            </a:r>
-            <a:endParaRPr lang="ko-KR" altLang="en-US"/>
-          </a:p>
-        </p:txBody>
-      </p:sp>
-    </p:spTree>
-    <p:extLst>
-      <p:ext uri="{BB962C8B-B14F-4D97-AF65-F5344CB8AC3E}">
-        <p14:creationId xmlns:p14="http://schemas.microsoft.com/office/powerpoint/2010/main" val="1183952485"/>
-      </p:ext>
-    </p:extLst>
-  </p:cSld>
-  <p:clrMapOvr>
-    <a:masterClrMapping/>
-  </p:clrMapOvr>
-</p:sld>
-</file>
-
-<file path=ppt/slides/slide7.xml><?xml version="1.0" encoding="utf-8"?>
-<p:sld xmlns:a="http://schemas.openxmlformats.org/drawingml/2006/main" xmlns:r="http://schemas.openxmlformats.org/officeDocument/2006/relationships" xmlns:p="http://schemas.openxmlformats.org/presentationml/2006/main">
-  <p:cSld>
-    <p:spTree>
-      <p:nvGrpSpPr>
-        <p:cNvPr id="1" name=""/>
-        <p:cNvGrpSpPr/>
-        <p:nvPr/>
-      </p:nvGrpSpPr>
-      <p:grpSpPr>
-        <a:xfrm>
-          <a:off x="0" y="0"/>
-          <a:ext cx="0" cy="0"/>
-          <a:chOff x="0" y="0"/>
-          <a:chExt cx="0" cy="0"/>
-        </a:xfrm>
-      </p:grpSpPr>
-    </p:spTree>
-    <p:extLst>
-      <p:ext uri="{BB962C8B-B14F-4D97-AF65-F5344CB8AC3E}">
-        <p14:creationId xmlns:p14="http://schemas.microsoft.com/office/powerpoint/2010/main" val="3437197495"/>
-      </p:ext>
-    </p:extLst>
-  </p:cSld>
-  <p:clrMapOvr>
-    <a:masterClrMapping/>
-  </p:clrMapOvr>
-</p:sld>
-</file>
-
 <file path=ppt/theme/theme1.xml><?xml version="1.0" encoding="utf-8"?>
 <a:theme xmlns:a="http://schemas.openxmlformats.org/drawingml/2006/main" name="Office 테마">
   <a:themeElements>
